--- a/docs/slides/PSYC753_L4_MultipleRegression2.pptx
+++ b/docs/slides/PSYC753_L4_MultipleRegression2.pptx
@@ -242,7 +242,7 @@
           <a:p>
             <a:fld id="{39F2F66B-899D-484E-9C99-E1DBE23F9DE9}" type="datetimeFigureOut">
               <a:rPr lang="en-GB" smtClean="0"/>
-              <a:t>02/02/2022</a:t>
+              <a:t>21/12/2022</a:t>
             </a:fld>
             <a:endParaRPr lang="en-GB"/>
           </a:p>
@@ -408,7 +408,7 @@
             <a:fld id="{2C09A945-60CF-41CC-BF14-DA645D9ABE0F}" type="datetimeFigureOut">
               <a:rPr lang="en-GB" smtClean="0"/>
               <a:pPr/>
-              <a:t>02/02/2022</a:t>
+              <a:t>21/12/2022</a:t>
             </a:fld>
             <a:endParaRPr lang="en-GB"/>
           </a:p>
@@ -472,35 +472,35 @@
           <a:p>
             <a:pPr lvl="0"/>
             <a:r>
-              <a:rPr lang="en-US" dirty="0" smtClean="0"/>
+              <a:rPr lang="en-US" dirty="0"/>
               <a:t>Click to edit Master text styles</a:t>
             </a:r>
           </a:p>
           <a:p>
             <a:pPr lvl="1"/>
             <a:r>
-              <a:rPr lang="en-US" dirty="0" smtClean="0"/>
+              <a:rPr lang="en-US" dirty="0"/>
               <a:t>Second level</a:t>
             </a:r>
           </a:p>
           <a:p>
             <a:pPr lvl="2"/>
             <a:r>
-              <a:rPr lang="en-US" dirty="0" smtClean="0"/>
+              <a:rPr lang="en-US" dirty="0"/>
               <a:t>Third level</a:t>
             </a:r>
           </a:p>
           <a:p>
             <a:pPr lvl="3"/>
             <a:r>
-              <a:rPr lang="en-US" dirty="0" smtClean="0"/>
+              <a:rPr lang="en-US" dirty="0"/>
               <a:t>Fourth level</a:t>
             </a:r>
           </a:p>
           <a:p>
             <a:pPr lvl="4"/>
             <a:r>
-              <a:rPr lang="en-US" dirty="0" smtClean="0"/>
+              <a:rPr lang="en-US" dirty="0"/>
               <a:t>Fifth level</a:t>
             </a:r>
             <a:endParaRPr lang="en-GB" dirty="0"/>
@@ -2079,10 +2079,9 @@
           <a:lstStyle/>
           <a:p>
             <a:r>
-              <a:rPr lang="en-US" smtClean="0"/>
+              <a:rPr lang="en-US"/>
               <a:t>Click to edit Master title style</a:t>
             </a:r>
-            <a:endParaRPr lang="en-US"/>
           </a:p>
         </p:txBody>
       </p:sp>
@@ -2198,10 +2197,9 @@
           </a:lstStyle>
           <a:p>
             <a:r>
-              <a:rPr lang="en-US" smtClean="0"/>
+              <a:rPr lang="en-US"/>
               <a:t>Click to edit Master subtitle style</a:t>
             </a:r>
-            <a:endParaRPr lang="en-US"/>
           </a:p>
         </p:txBody>
       </p:sp>
@@ -2223,7 +2221,7 @@
             <a:fld id="{FD207E47-C1CA-47C9-BFA1-FDEFD1CE1BAA}" type="datetime1">
               <a:rPr lang="en-US" smtClean="0"/>
               <a:pPr/>
-              <a:t>2/2/2022</a:t>
+              <a:t>12/21/2022</a:t>
             </a:fld>
             <a:endParaRPr lang="en-US"/>
           </a:p>
@@ -2313,10 +2311,9 @@
           <a:lstStyle/>
           <a:p>
             <a:r>
-              <a:rPr lang="en-US" smtClean="0"/>
+              <a:rPr lang="en-US"/>
               <a:t>Click to edit Master title style</a:t>
             </a:r>
-            <a:endParaRPr lang="en-US"/>
           </a:p>
         </p:txBody>
       </p:sp>
@@ -2337,38 +2334,37 @@
           <a:p>
             <a:pPr lvl="0"/>
             <a:r>
-              <a:rPr lang="en-US" smtClean="0"/>
+              <a:rPr lang="en-US"/>
               <a:t>Click to edit Master text styles</a:t>
             </a:r>
           </a:p>
           <a:p>
             <a:pPr lvl="1"/>
             <a:r>
-              <a:rPr lang="en-US" smtClean="0"/>
+              <a:rPr lang="en-US"/>
               <a:t>Second level</a:t>
             </a:r>
           </a:p>
           <a:p>
             <a:pPr lvl="2"/>
             <a:r>
-              <a:rPr lang="en-US" smtClean="0"/>
+              <a:rPr lang="en-US"/>
               <a:t>Third level</a:t>
             </a:r>
           </a:p>
           <a:p>
             <a:pPr lvl="3"/>
             <a:r>
-              <a:rPr lang="en-US" smtClean="0"/>
+              <a:rPr lang="en-US"/>
               <a:t>Fourth level</a:t>
             </a:r>
           </a:p>
           <a:p>
             <a:pPr lvl="4"/>
             <a:r>
-              <a:rPr lang="en-US" smtClean="0"/>
+              <a:rPr lang="en-US"/>
               <a:t>Fifth level</a:t>
             </a:r>
-            <a:endParaRPr lang="en-US"/>
           </a:p>
         </p:txBody>
       </p:sp>
@@ -2390,7 +2386,7 @@
             <a:fld id="{58C692B5-BE86-445D-88C0-242C83A9421E}" type="datetime1">
               <a:rPr lang="en-US" smtClean="0"/>
               <a:pPr/>
-              <a:t>2/2/2022</a:t>
+              <a:t>12/21/2022</a:t>
             </a:fld>
             <a:endParaRPr lang="en-US"/>
           </a:p>
@@ -2485,10 +2481,9 @@
           <a:lstStyle/>
           <a:p>
             <a:r>
-              <a:rPr lang="en-US" smtClean="0"/>
+              <a:rPr lang="en-US"/>
               <a:t>Click to edit Master title style</a:t>
             </a:r>
-            <a:endParaRPr lang="en-US"/>
           </a:p>
         </p:txBody>
       </p:sp>
@@ -2514,38 +2509,37 @@
           <a:p>
             <a:pPr lvl="0"/>
             <a:r>
-              <a:rPr lang="en-US" smtClean="0"/>
+              <a:rPr lang="en-US"/>
               <a:t>Click to edit Master text styles</a:t>
             </a:r>
           </a:p>
           <a:p>
             <a:pPr lvl="1"/>
             <a:r>
-              <a:rPr lang="en-US" smtClean="0"/>
+              <a:rPr lang="en-US"/>
               <a:t>Second level</a:t>
             </a:r>
           </a:p>
           <a:p>
             <a:pPr lvl="2"/>
             <a:r>
-              <a:rPr lang="en-US" smtClean="0"/>
+              <a:rPr lang="en-US"/>
               <a:t>Third level</a:t>
             </a:r>
           </a:p>
           <a:p>
             <a:pPr lvl="3"/>
             <a:r>
-              <a:rPr lang="en-US" smtClean="0"/>
+              <a:rPr lang="en-US"/>
               <a:t>Fourth level</a:t>
             </a:r>
           </a:p>
           <a:p>
             <a:pPr lvl="4"/>
             <a:r>
-              <a:rPr lang="en-US" smtClean="0"/>
+              <a:rPr lang="en-US"/>
               <a:t>Fifth level</a:t>
             </a:r>
-            <a:endParaRPr lang="en-US"/>
           </a:p>
         </p:txBody>
       </p:sp>
@@ -2567,7 +2561,7 @@
             <a:fld id="{6A70B350-EB04-4702-A2C6-BB029CC917C4}" type="datetime1">
               <a:rPr lang="en-US" smtClean="0"/>
               <a:pPr/>
-              <a:t>2/2/2022</a:t>
+              <a:t>12/21/2022</a:t>
             </a:fld>
             <a:endParaRPr lang="en-US"/>
           </a:p>
@@ -2657,10 +2651,9 @@
           <a:lstStyle/>
           <a:p>
             <a:r>
-              <a:rPr lang="en-US" smtClean="0"/>
+              <a:rPr lang="en-US"/>
               <a:t>Click to edit Master title style</a:t>
             </a:r>
-            <a:endParaRPr lang="en-US"/>
           </a:p>
         </p:txBody>
       </p:sp>
@@ -2681,38 +2674,37 @@
           <a:p>
             <a:pPr lvl="0"/>
             <a:r>
-              <a:rPr lang="en-US" smtClean="0"/>
+              <a:rPr lang="en-US"/>
               <a:t>Click to edit Master text styles</a:t>
             </a:r>
           </a:p>
           <a:p>
             <a:pPr lvl="1"/>
             <a:r>
-              <a:rPr lang="en-US" smtClean="0"/>
+              <a:rPr lang="en-US"/>
               <a:t>Second level</a:t>
             </a:r>
           </a:p>
           <a:p>
             <a:pPr lvl="2"/>
             <a:r>
-              <a:rPr lang="en-US" smtClean="0"/>
+              <a:rPr lang="en-US"/>
               <a:t>Third level</a:t>
             </a:r>
           </a:p>
           <a:p>
             <a:pPr lvl="3"/>
             <a:r>
-              <a:rPr lang="en-US" smtClean="0"/>
+              <a:rPr lang="en-US"/>
               <a:t>Fourth level</a:t>
             </a:r>
           </a:p>
           <a:p>
             <a:pPr lvl="4"/>
             <a:r>
-              <a:rPr lang="en-US" smtClean="0"/>
+              <a:rPr lang="en-US"/>
               <a:t>Fifth level</a:t>
             </a:r>
-            <a:endParaRPr lang="en-US"/>
           </a:p>
         </p:txBody>
       </p:sp>
@@ -2734,7 +2726,7 @@
             <a:fld id="{B19C5C7B-1CCF-4D03-A2E8-D3591213E0F6}" type="datetime1">
               <a:rPr lang="en-US" smtClean="0"/>
               <a:pPr/>
-              <a:t>2/2/2022</a:t>
+              <a:t>12/21/2022</a:t>
             </a:fld>
             <a:endParaRPr lang="en-US"/>
           </a:p>
@@ -2833,10 +2825,9 @@
           </a:lstStyle>
           <a:p>
             <a:r>
-              <a:rPr lang="en-US" smtClean="0"/>
+              <a:rPr lang="en-US"/>
               <a:t>Click to edit Master title style</a:t>
             </a:r>
-            <a:endParaRPr lang="en-US"/>
           </a:p>
         </p:txBody>
       </p:sp>
@@ -2953,7 +2944,7 @@
           <a:p>
             <a:pPr lvl="0"/>
             <a:r>
-              <a:rPr lang="en-US" smtClean="0"/>
+              <a:rPr lang="en-US"/>
               <a:t>Click to edit Master text styles</a:t>
             </a:r>
           </a:p>
@@ -2977,7 +2968,7 @@
             <a:fld id="{617DE08F-8114-45C2-9520-EC1882F8A669}" type="datetime1">
               <a:rPr lang="en-US" smtClean="0"/>
               <a:pPr/>
-              <a:t>2/2/2022</a:t>
+              <a:t>12/21/2022</a:t>
             </a:fld>
             <a:endParaRPr lang="en-US"/>
           </a:p>
@@ -3067,10 +3058,9 @@
           <a:lstStyle/>
           <a:p>
             <a:r>
-              <a:rPr lang="en-US" smtClean="0"/>
+              <a:rPr lang="en-US"/>
               <a:t>Click to edit Master title style</a:t>
             </a:r>
-            <a:endParaRPr lang="en-US"/>
           </a:p>
         </p:txBody>
       </p:sp>
@@ -3124,38 +3114,37 @@
           <a:p>
             <a:pPr lvl="0"/>
             <a:r>
-              <a:rPr lang="en-US" smtClean="0"/>
+              <a:rPr lang="en-US"/>
               <a:t>Click to edit Master text styles</a:t>
             </a:r>
           </a:p>
           <a:p>
             <a:pPr lvl="1"/>
             <a:r>
-              <a:rPr lang="en-US" smtClean="0"/>
+              <a:rPr lang="en-US"/>
               <a:t>Second level</a:t>
             </a:r>
           </a:p>
           <a:p>
             <a:pPr lvl="2"/>
             <a:r>
-              <a:rPr lang="en-US" smtClean="0"/>
+              <a:rPr lang="en-US"/>
               <a:t>Third level</a:t>
             </a:r>
           </a:p>
           <a:p>
             <a:pPr lvl="3"/>
             <a:r>
-              <a:rPr lang="en-US" smtClean="0"/>
+              <a:rPr lang="en-US"/>
               <a:t>Fourth level</a:t>
             </a:r>
           </a:p>
           <a:p>
             <a:pPr lvl="4"/>
             <a:r>
-              <a:rPr lang="en-US" smtClean="0"/>
+              <a:rPr lang="en-US"/>
               <a:t>Fifth level</a:t>
             </a:r>
-            <a:endParaRPr lang="en-US"/>
           </a:p>
         </p:txBody>
       </p:sp>
@@ -3209,38 +3198,37 @@
           <a:p>
             <a:pPr lvl="0"/>
             <a:r>
-              <a:rPr lang="en-US" smtClean="0"/>
+              <a:rPr lang="en-US"/>
               <a:t>Click to edit Master text styles</a:t>
             </a:r>
           </a:p>
           <a:p>
             <a:pPr lvl="1"/>
             <a:r>
-              <a:rPr lang="en-US" smtClean="0"/>
+              <a:rPr lang="en-US"/>
               <a:t>Second level</a:t>
             </a:r>
           </a:p>
           <a:p>
             <a:pPr lvl="2"/>
             <a:r>
-              <a:rPr lang="en-US" smtClean="0"/>
+              <a:rPr lang="en-US"/>
               <a:t>Third level</a:t>
             </a:r>
           </a:p>
           <a:p>
             <a:pPr lvl="3"/>
             <a:r>
-              <a:rPr lang="en-US" smtClean="0"/>
+              <a:rPr lang="en-US"/>
               <a:t>Fourth level</a:t>
             </a:r>
           </a:p>
           <a:p>
             <a:pPr lvl="4"/>
             <a:r>
-              <a:rPr lang="en-US" smtClean="0"/>
+              <a:rPr lang="en-US"/>
               <a:t>Fifth level</a:t>
             </a:r>
-            <a:endParaRPr lang="en-US"/>
           </a:p>
         </p:txBody>
       </p:sp>
@@ -3262,7 +3250,7 @@
             <a:fld id="{67FBBCEA-51D6-4D4F-B700-EBDD8904452C}" type="datetime1">
               <a:rPr lang="en-US" smtClean="0"/>
               <a:pPr/>
-              <a:t>2/2/2022</a:t>
+              <a:t>12/21/2022</a:t>
             </a:fld>
             <a:endParaRPr lang="en-US"/>
           </a:p>
@@ -3356,10 +3344,9 @@
           </a:lstStyle>
           <a:p>
             <a:r>
-              <a:rPr lang="en-US" smtClean="0"/>
+              <a:rPr lang="en-US"/>
               <a:t>Click to edit Master title style</a:t>
             </a:r>
-            <a:endParaRPr lang="en-US"/>
           </a:p>
         </p:txBody>
       </p:sp>
@@ -3422,7 +3409,7 @@
           <a:p>
             <a:pPr lvl="0"/>
             <a:r>
-              <a:rPr lang="en-US" smtClean="0"/>
+              <a:rPr lang="en-US"/>
               <a:t>Click to edit Master text styles</a:t>
             </a:r>
           </a:p>
@@ -3478,38 +3465,37 @@
           <a:p>
             <a:pPr lvl="0"/>
             <a:r>
-              <a:rPr lang="en-US" smtClean="0"/>
+              <a:rPr lang="en-US"/>
               <a:t>Click to edit Master text styles</a:t>
             </a:r>
           </a:p>
           <a:p>
             <a:pPr lvl="1"/>
             <a:r>
-              <a:rPr lang="en-US" smtClean="0"/>
+              <a:rPr lang="en-US"/>
               <a:t>Second level</a:t>
             </a:r>
           </a:p>
           <a:p>
             <a:pPr lvl="2"/>
             <a:r>
-              <a:rPr lang="en-US" smtClean="0"/>
+              <a:rPr lang="en-US"/>
               <a:t>Third level</a:t>
             </a:r>
           </a:p>
           <a:p>
             <a:pPr lvl="3"/>
             <a:r>
-              <a:rPr lang="en-US" smtClean="0"/>
+              <a:rPr lang="en-US"/>
               <a:t>Fourth level</a:t>
             </a:r>
           </a:p>
           <a:p>
             <a:pPr lvl="4"/>
             <a:r>
-              <a:rPr lang="en-US" smtClean="0"/>
+              <a:rPr lang="en-US"/>
               <a:t>Fifth level</a:t>
             </a:r>
-            <a:endParaRPr lang="en-US"/>
           </a:p>
         </p:txBody>
       </p:sp>
@@ -3572,7 +3558,7 @@
           <a:p>
             <a:pPr lvl="0"/>
             <a:r>
-              <a:rPr lang="en-US" smtClean="0"/>
+              <a:rPr lang="en-US"/>
               <a:t>Click to edit Master text styles</a:t>
             </a:r>
           </a:p>
@@ -3628,38 +3614,37 @@
           <a:p>
             <a:pPr lvl="0"/>
             <a:r>
-              <a:rPr lang="en-US" smtClean="0"/>
+              <a:rPr lang="en-US"/>
               <a:t>Click to edit Master text styles</a:t>
             </a:r>
           </a:p>
           <a:p>
             <a:pPr lvl="1"/>
             <a:r>
-              <a:rPr lang="en-US" smtClean="0"/>
+              <a:rPr lang="en-US"/>
               <a:t>Second level</a:t>
             </a:r>
           </a:p>
           <a:p>
             <a:pPr lvl="2"/>
             <a:r>
-              <a:rPr lang="en-US" smtClean="0"/>
+              <a:rPr lang="en-US"/>
               <a:t>Third level</a:t>
             </a:r>
           </a:p>
           <a:p>
             <a:pPr lvl="3"/>
             <a:r>
-              <a:rPr lang="en-US" smtClean="0"/>
+              <a:rPr lang="en-US"/>
               <a:t>Fourth level</a:t>
             </a:r>
           </a:p>
           <a:p>
             <a:pPr lvl="4"/>
             <a:r>
-              <a:rPr lang="en-US" smtClean="0"/>
+              <a:rPr lang="en-US"/>
               <a:t>Fifth level</a:t>
             </a:r>
-            <a:endParaRPr lang="en-US"/>
           </a:p>
         </p:txBody>
       </p:sp>
@@ -3681,7 +3666,7 @@
             <a:fld id="{7C3355C0-4DE2-42D1-B918-7B0FCE7481FD}" type="datetime1">
               <a:rPr lang="en-US" smtClean="0"/>
               <a:pPr/>
-              <a:t>2/2/2022</a:t>
+              <a:t>12/21/2022</a:t>
             </a:fld>
             <a:endParaRPr lang="en-US"/>
           </a:p>
@@ -3771,10 +3756,9 @@
           <a:lstStyle/>
           <a:p>
             <a:r>
-              <a:rPr lang="en-US" smtClean="0"/>
+              <a:rPr lang="en-US"/>
               <a:t>Click to edit Master title style</a:t>
             </a:r>
-            <a:endParaRPr lang="en-US"/>
           </a:p>
         </p:txBody>
       </p:sp>
@@ -3796,7 +3780,7 @@
             <a:fld id="{41F9056E-53B5-467C-A68C-D5DD1F771BB5}" type="datetime1">
               <a:rPr lang="en-US" smtClean="0"/>
               <a:pPr/>
-              <a:t>2/2/2022</a:t>
+              <a:t>12/21/2022</a:t>
             </a:fld>
             <a:endParaRPr lang="en-US"/>
           </a:p>
@@ -3888,7 +3872,7 @@
             <a:fld id="{73236B7C-1414-4D49-8A59-8F56128C501B}" type="datetime1">
               <a:rPr lang="en-US" smtClean="0"/>
               <a:pPr/>
-              <a:t>2/2/2022</a:t>
+              <a:t>12/21/2022</a:t>
             </a:fld>
             <a:endParaRPr lang="en-US"/>
           </a:p>
@@ -3987,10 +3971,9 @@
           </a:lstStyle>
           <a:p>
             <a:r>
-              <a:rPr lang="en-US" smtClean="0"/>
+              <a:rPr lang="en-US"/>
               <a:t>Click to edit Master title style</a:t>
             </a:r>
-            <a:endParaRPr lang="en-US"/>
           </a:p>
         </p:txBody>
       </p:sp>
@@ -4044,38 +4027,37 @@
           <a:p>
             <a:pPr lvl="0"/>
             <a:r>
-              <a:rPr lang="en-US" smtClean="0"/>
+              <a:rPr lang="en-US"/>
               <a:t>Click to edit Master text styles</a:t>
             </a:r>
           </a:p>
           <a:p>
             <a:pPr lvl="1"/>
             <a:r>
-              <a:rPr lang="en-US" smtClean="0"/>
+              <a:rPr lang="en-US"/>
               <a:t>Second level</a:t>
             </a:r>
           </a:p>
           <a:p>
             <a:pPr lvl="2"/>
             <a:r>
-              <a:rPr lang="en-US" smtClean="0"/>
+              <a:rPr lang="en-US"/>
               <a:t>Third level</a:t>
             </a:r>
           </a:p>
           <a:p>
             <a:pPr lvl="3"/>
             <a:r>
-              <a:rPr lang="en-US" smtClean="0"/>
+              <a:rPr lang="en-US"/>
               <a:t>Fourth level</a:t>
             </a:r>
           </a:p>
           <a:p>
             <a:pPr lvl="4"/>
             <a:r>
-              <a:rPr lang="en-US" smtClean="0"/>
+              <a:rPr lang="en-US"/>
               <a:t>Fifth level</a:t>
             </a:r>
-            <a:endParaRPr lang="en-US"/>
           </a:p>
         </p:txBody>
       </p:sp>
@@ -4138,7 +4120,7 @@
           <a:p>
             <a:pPr lvl="0"/>
             <a:r>
-              <a:rPr lang="en-US" smtClean="0"/>
+              <a:rPr lang="en-US"/>
               <a:t>Click to edit Master text styles</a:t>
             </a:r>
           </a:p>
@@ -4162,7 +4144,7 @@
             <a:fld id="{A40AEADC-23C0-4767-9AD7-3E7B6C343A0A}" type="datetime1">
               <a:rPr lang="en-US" smtClean="0"/>
               <a:pPr/>
-              <a:t>2/2/2022</a:t>
+              <a:t>12/21/2022</a:t>
             </a:fld>
             <a:endParaRPr lang="en-US"/>
           </a:p>
@@ -4261,10 +4243,9 @@
           </a:lstStyle>
           <a:p>
             <a:r>
-              <a:rPr lang="en-US" smtClean="0"/>
+              <a:rPr lang="en-US"/>
               <a:t>Click to edit Master title style</a:t>
             </a:r>
-            <a:endParaRPr lang="en-US"/>
           </a:p>
         </p:txBody>
       </p:sp>
@@ -4388,7 +4369,7 @@
           <a:p>
             <a:pPr lvl="0"/>
             <a:r>
-              <a:rPr lang="en-US" smtClean="0"/>
+              <a:rPr lang="en-US"/>
               <a:t>Click to edit Master text styles</a:t>
             </a:r>
           </a:p>
@@ -4412,7 +4393,7 @@
             <a:fld id="{07762B3B-4AFD-4E39-B6F8-E1A2354BA336}" type="datetime1">
               <a:rPr lang="en-US" smtClean="0"/>
               <a:pPr/>
-              <a:t>2/2/2022</a:t>
+              <a:t>12/21/2022</a:t>
             </a:fld>
             <a:endParaRPr lang="en-US"/>
           </a:p>
@@ -4522,10 +4503,9 @@
           <a:lstStyle/>
           <a:p>
             <a:r>
-              <a:rPr lang="en-US" dirty="0" smtClean="0"/>
+              <a:rPr lang="en-US" dirty="0"/>
               <a:t>Click to edit Master title style</a:t>
             </a:r>
-            <a:endParaRPr lang="en-US" dirty="0"/>
           </a:p>
         </p:txBody>
       </p:sp>
@@ -4556,38 +4536,37 @@
           <a:p>
             <a:pPr lvl="0"/>
             <a:r>
-              <a:rPr lang="en-US" dirty="0" smtClean="0"/>
+              <a:rPr lang="en-US" dirty="0"/>
               <a:t>Click to edit Master text styles</a:t>
             </a:r>
           </a:p>
           <a:p>
             <a:pPr lvl="1"/>
             <a:r>
-              <a:rPr lang="en-US" dirty="0" smtClean="0"/>
+              <a:rPr lang="en-US" dirty="0"/>
               <a:t>Second level</a:t>
             </a:r>
           </a:p>
           <a:p>
             <a:pPr lvl="2"/>
             <a:r>
-              <a:rPr lang="en-US" dirty="0" smtClean="0"/>
+              <a:rPr lang="en-US" dirty="0"/>
               <a:t>Third level</a:t>
             </a:r>
           </a:p>
           <a:p>
             <a:pPr lvl="3"/>
             <a:r>
-              <a:rPr lang="en-US" dirty="0" smtClean="0"/>
+              <a:rPr lang="en-US" dirty="0"/>
               <a:t>Fourth level</a:t>
             </a:r>
           </a:p>
           <a:p>
             <a:pPr lvl="4"/>
             <a:r>
-              <a:rPr lang="en-US" dirty="0" smtClean="0"/>
+              <a:rPr lang="en-US" dirty="0"/>
               <a:t>Fifth level</a:t>
             </a:r>
-            <a:endParaRPr lang="en-US" dirty="0"/>
           </a:p>
         </p:txBody>
       </p:sp>
@@ -4627,7 +4606,7 @@
             <a:fld id="{16C4ABC6-3BA1-4854-92CA-2B0133ECAB44}" type="datetime1">
               <a:rPr lang="en-US" smtClean="0"/>
               <a:pPr/>
-              <a:t>2/2/2022</a:t>
+              <a:t>12/21/2022</a:t>
             </a:fld>
             <a:endParaRPr lang="en-US"/>
           </a:p>
@@ -5021,7 +5000,7 @@
           <a:lstStyle/>
           <a:p>
             <a:r>
-              <a:rPr lang="en-GB" sz="3200" b="1" dirty="0" smtClean="0">
+              <a:rPr lang="en-GB" sz="3200" b="1" dirty="0">
                 <a:solidFill>
                   <a:srgbClr val="000066"/>
                 </a:solidFill>
@@ -5029,12 +5008,6 @@
               </a:rPr>
               <a:t>PSYC753</a:t>
             </a:r>
-            <a:endParaRPr lang="en-GB" sz="3200" b="1" dirty="0">
-              <a:solidFill>
-                <a:srgbClr val="000066"/>
-              </a:solidFill>
-              <a:latin typeface="Calibri" pitchFamily="34" charset="0"/>
-            </a:endParaRPr>
           </a:p>
           <a:p>
             <a:endParaRPr lang="en-GB" sz="2800" b="1" dirty="0">
@@ -5046,27 +5019,18 @@
           </a:p>
           <a:p>
             <a:r>
-              <a:rPr lang="en-GB" sz="2800" b="1" dirty="0" smtClean="0">
-                <a:solidFill>
-                  <a:srgbClr val="000066"/>
-                </a:solidFill>
-                <a:latin typeface="Calibri" pitchFamily="34" charset="0"/>
-              </a:rPr>
-              <a:t>4: </a:t>
-            </a:r>
-            <a:r>
               <a:rPr lang="en-GB" sz="2800" b="1" dirty="0">
                 <a:solidFill>
                   <a:srgbClr val="000066"/>
                 </a:solidFill>
                 <a:latin typeface="Calibri" pitchFamily="34" charset="0"/>
               </a:rPr>
-              <a:t>Multiple Regression</a:t>
-            </a:r>
-          </a:p>
-          <a:p>
-            <a:r>
-              <a:rPr lang="en-GB" sz="2800" dirty="0" smtClean="0">
+              <a:t>4: Multiple Regression</a:t>
+            </a:r>
+          </a:p>
+          <a:p>
+            <a:r>
+              <a:rPr lang="en-GB" sz="2800" dirty="0">
                 <a:solidFill>
                   <a:srgbClr val="000066"/>
                 </a:solidFill>
@@ -5075,7 +5039,7 @@
               <a:t>One continuous, </a:t>
             </a:r>
             <a:r>
-              <a:rPr lang="en-GB" sz="2800" smtClean="0">
+              <a:rPr lang="en-GB" sz="2800">
                 <a:solidFill>
                   <a:srgbClr val="000066"/>
                 </a:solidFill>
@@ -5091,15 +5055,6 @@
             </a:endParaRPr>
           </a:p>
           <a:p>
-            <a:r>
-              <a:rPr lang="en-GB" sz="2800" dirty="0">
-                <a:solidFill>
-                  <a:srgbClr val="000066"/>
-                </a:solidFill>
-                <a:latin typeface="Calibri" pitchFamily="34" charset="0"/>
-              </a:rPr>
-              <a:t/>
-            </a:r>
             <a:br>
               <a:rPr lang="en-GB" sz="2800" dirty="0">
                 <a:solidFill>
@@ -5117,15 +5072,6 @@
               </a:rPr>
               <a:t>Dr Chris Berry</a:t>
             </a:r>
-            <a:r>
-              <a:rPr lang="en-GB" sz="2800" dirty="0">
-                <a:solidFill>
-                  <a:srgbClr val="000066"/>
-                </a:solidFill>
-                <a:latin typeface="Calibri" pitchFamily="34" charset="0"/>
-              </a:rPr>
-              <a:t/>
-            </a:r>
             <a:br>
               <a:rPr lang="en-GB" sz="2800" dirty="0">
                 <a:solidFill>
@@ -5175,19 +5121,10 @@
                 </a:solidFill>
                 <a:latin typeface="Calibri" pitchFamily="34" charset="0"/>
               </a:rPr>
-              <a:t>PSQ </a:t>
-            </a:r>
-            <a:r>
-              <a:rPr lang="en-GB" dirty="0" smtClean="0">
-                <a:solidFill>
-                  <a:srgbClr val="990033"/>
-                </a:solidFill>
-                <a:latin typeface="Calibri" pitchFamily="34" charset="0"/>
-              </a:rPr>
-              <a:t>B212 </a:t>
-            </a:r>
-            <a:r>
-              <a:rPr lang="en-GB" dirty="0" smtClean="0">
+              <a:t>PSQ B212 </a:t>
+            </a:r>
+            <a:r>
+              <a:rPr lang="en-GB" dirty="0">
                 <a:solidFill>
                   <a:srgbClr val="990033"/>
                 </a:solidFill>
@@ -5196,7 +5133,7 @@
               </a:rPr>
               <a:t>christopher.berry@plymouth.ac.uk</a:t>
             </a:r>
-            <a:endParaRPr lang="en-GB" dirty="0" smtClean="0">
+            <a:endParaRPr lang="en-GB" dirty="0">
               <a:solidFill>
                 <a:srgbClr val="990033"/>
               </a:solidFill>
@@ -5247,13 +5184,6 @@
   <p:clrMapOvr>
     <a:masterClrMapping/>
   </p:clrMapOvr>
-  <p:timing>
-    <p:tnLst>
-      <p:par>
-        <p:cTn id="1" dur="indefinite" restart="never" nodeType="tmRoot"/>
-      </p:par>
-    </p:tnLst>
-  </p:timing>
 </p:sld>
 </file>
 
@@ -5297,10 +5227,9 @@
           <a:lstStyle/>
           <a:p>
             <a:r>
-              <a:rPr lang="en-GB" sz="2800" dirty="0" smtClean="0"/>
+              <a:rPr lang="en-GB" sz="2800" dirty="0"/>
               <a:t>Evidence for the interaction term</a:t>
             </a:r>
-            <a:endParaRPr lang="en-GB" sz="2800" dirty="0"/>
           </a:p>
         </p:txBody>
       </p:sp>
@@ -5327,7 +5256,7 @@
           <a:lstStyle/>
           <a:p>
             <a:r>
-              <a:rPr lang="en-GB" sz="2200" dirty="0" smtClean="0"/>
+              <a:rPr lang="en-GB" sz="2200" dirty="0"/>
               <a:t>A predictor representing the interaction can be added to the multiple regression model.</a:t>
             </a:r>
           </a:p>
@@ -5347,7 +5276,7 @@
           </a:p>
           <a:p>
             <a:r>
-              <a:rPr lang="en-GB" sz="2200" b="1" dirty="0" smtClean="0">
+              <a:rPr lang="en-GB" sz="2200" b="1" dirty="0">
                 <a:solidFill>
                   <a:schemeClr val="tx2"/>
                 </a:solidFill>
@@ -5355,14 +5284,14 @@
               <a:t>Interaction terms </a:t>
             </a:r>
             <a:r>
-              <a:rPr lang="en-GB" sz="2200" dirty="0" smtClean="0"/>
+              <a:rPr lang="en-GB" sz="2200" dirty="0"/>
               <a:t>are created by multiplying together values of predictors</a:t>
             </a:r>
           </a:p>
           <a:p>
             <a:pPr lvl="1"/>
             <a:r>
-              <a:rPr lang="en-GB" sz="2200" dirty="0" smtClean="0"/>
+              <a:rPr lang="en-GB" sz="2200" dirty="0"/>
               <a:t>e.g., score for predictor1 x predictor2 = interaction score </a:t>
             </a:r>
           </a:p>
@@ -5651,22 +5580,21 @@
           <a:p>
             <a:pPr algn="ctr"/>
             <a:r>
-              <a:rPr lang="en-GB" sz="3200" dirty="0" smtClean="0"/>
+              <a:rPr lang="en-GB" sz="3200" dirty="0"/>
               <a:t>X</a:t>
             </a:r>
             <a:r>
-              <a:rPr lang="en-GB" sz="3200" baseline="-25000" dirty="0" smtClean="0"/>
+              <a:rPr lang="en-GB" sz="3200" baseline="-25000" dirty="0"/>
               <a:t>1</a:t>
             </a:r>
             <a:r>
-              <a:rPr lang="en-GB" sz="3200" dirty="0" smtClean="0"/>
+              <a:rPr lang="en-GB" sz="3200" dirty="0"/>
               <a:t>X</a:t>
             </a:r>
             <a:r>
-              <a:rPr lang="en-GB" sz="3200" baseline="-25000" dirty="0" smtClean="0"/>
+              <a:rPr lang="en-GB" sz="3200" baseline="-25000" dirty="0"/>
               <a:t>2</a:t>
             </a:r>
-            <a:endParaRPr lang="en-GB" sz="3200" baseline="-25000" dirty="0"/>
           </a:p>
         </p:txBody>
       </p:sp>
@@ -5741,7 +5669,7 @@
               <a:t>, </a:t>
             </a:r>
             <a:r>
-              <a:rPr lang="en-GB" sz="1600" dirty="0" smtClean="0">
+              <a:rPr lang="en-GB" sz="1600" dirty="0">
                 <a:solidFill>
                   <a:schemeClr val="tx2">
                     <a:lumMod val="75000"/>
@@ -5777,11 +5705,11 @@
           <a:lstStyle/>
           <a:p>
             <a:r>
-              <a:rPr lang="en-GB" sz="1600" dirty="0" err="1" smtClean="0"/>
+              <a:rPr lang="en-GB" sz="1600" dirty="0" err="1"/>
               <a:t>eg</a:t>
             </a:r>
             <a:r>
-              <a:rPr lang="en-GB" sz="1600" dirty="0" smtClean="0"/>
+              <a:rPr lang="en-GB" sz="1600" dirty="0"/>
               <a:t>, group </a:t>
             </a:r>
             <a:endParaRPr lang="en-GB" sz="1200" dirty="0"/>
@@ -5819,7 +5747,7 @@
               <a:t>, </a:t>
             </a:r>
             <a:r>
-              <a:rPr lang="en-GB" sz="1400" dirty="0" smtClean="0">
+              <a:rPr lang="en-GB" sz="1400" dirty="0">
                 <a:solidFill>
                   <a:schemeClr val="tx2">
                     <a:lumMod val="50000"/>
@@ -5828,13 +5756,6 @@
               </a:rPr>
               <a:t>trustworthiness</a:t>
             </a:r>
-            <a:endParaRPr lang="en-GB" sz="1400" dirty="0">
-              <a:solidFill>
-                <a:schemeClr val="tx2">
-                  <a:lumMod val="50000"/>
-                </a:schemeClr>
-              </a:solidFill>
-            </a:endParaRPr>
           </a:p>
         </p:txBody>
       </p:sp>
@@ -5862,65 +5783,60 @@
             <a:pPr algn="ctr"/>
             <a:r>
               <a:rPr lang="en-GB" sz="3600" dirty="0"/>
-              <a:t>Ŷ = a </a:t>
-            </a:r>
-            <a:r>
-              <a:rPr lang="en-GB" sz="3600" dirty="0" smtClean="0"/>
+              <a:t>Ŷ = a + b</a:t>
+            </a:r>
+            <a:r>
+              <a:rPr lang="en-GB" sz="3600" baseline="-25000" dirty="0"/>
+              <a:t>1</a:t>
+            </a:r>
+            <a:r>
+              <a:rPr lang="en-GB" sz="3600" dirty="0"/>
+              <a:t>X</a:t>
+            </a:r>
+            <a:r>
+              <a:rPr lang="en-GB" sz="3600" baseline="-25000" dirty="0"/>
+              <a:t>1</a:t>
+            </a:r>
+            <a:r>
+              <a:rPr lang="en-GB" sz="3600" dirty="0"/>
+              <a:t> + b</a:t>
+            </a:r>
+            <a:r>
+              <a:rPr lang="en-GB" sz="3600" baseline="-25000" dirty="0"/>
+              <a:t>2</a:t>
+            </a:r>
+            <a:r>
+              <a:rPr lang="en-GB" sz="3600" dirty="0"/>
+              <a:t>X</a:t>
+            </a:r>
+            <a:r>
+              <a:rPr lang="en-GB" sz="3600" baseline="-25000" dirty="0"/>
+              <a:t>2 </a:t>
+            </a:r>
+            <a:r>
+              <a:rPr lang="en-GB" sz="3600" dirty="0"/>
               <a:t>+ b</a:t>
             </a:r>
             <a:r>
-              <a:rPr lang="en-GB" sz="3600" baseline="-25000" dirty="0" smtClean="0"/>
+              <a:rPr lang="en-GB" sz="3600" baseline="-25000" dirty="0"/>
+              <a:t>3</a:t>
+            </a:r>
+            <a:r>
+              <a:rPr lang="en-GB" sz="3600" dirty="0"/>
+              <a:t>X</a:t>
+            </a:r>
+            <a:r>
+              <a:rPr lang="en-GB" sz="3600" baseline="-25000" dirty="0"/>
               <a:t>1</a:t>
             </a:r>
             <a:r>
-              <a:rPr lang="en-GB" sz="3600" dirty="0" smtClean="0"/>
+              <a:rPr lang="en-GB" sz="3600" dirty="0"/>
               <a:t>X</a:t>
             </a:r>
             <a:r>
-              <a:rPr lang="en-GB" sz="3600" baseline="-25000" dirty="0" smtClean="0"/>
-              <a:t>1</a:t>
-            </a:r>
-            <a:r>
-              <a:rPr lang="en-GB" sz="3600" dirty="0" smtClean="0"/>
-              <a:t> + b</a:t>
-            </a:r>
-            <a:r>
-              <a:rPr lang="en-GB" sz="3600" baseline="-25000" dirty="0" smtClean="0"/>
+              <a:rPr lang="en-GB" sz="3600" baseline="-25000" dirty="0"/>
               <a:t>2</a:t>
             </a:r>
-            <a:r>
-              <a:rPr lang="en-GB" sz="3600" dirty="0" smtClean="0"/>
-              <a:t>X</a:t>
-            </a:r>
-            <a:r>
-              <a:rPr lang="en-GB" sz="3600" baseline="-25000" dirty="0" smtClean="0"/>
-              <a:t>2 </a:t>
-            </a:r>
-            <a:r>
-              <a:rPr lang="en-GB" sz="3600" dirty="0" smtClean="0"/>
-              <a:t>+ b</a:t>
-            </a:r>
-            <a:r>
-              <a:rPr lang="en-GB" sz="3600" baseline="-25000" dirty="0" smtClean="0"/>
-              <a:t>3</a:t>
-            </a:r>
-            <a:r>
-              <a:rPr lang="en-GB" sz="3600" dirty="0" smtClean="0"/>
-              <a:t>X</a:t>
-            </a:r>
-            <a:r>
-              <a:rPr lang="en-GB" sz="3600" baseline="-25000" dirty="0" smtClean="0"/>
-              <a:t>1</a:t>
-            </a:r>
-            <a:r>
-              <a:rPr lang="en-GB" sz="3600" dirty="0" smtClean="0"/>
-              <a:t>X</a:t>
-            </a:r>
-            <a:r>
-              <a:rPr lang="en-GB" sz="3600" baseline="-25000" dirty="0" smtClean="0"/>
-              <a:t>2</a:t>
-            </a:r>
-            <a:endParaRPr lang="en-GB" sz="3600" baseline="-25000" dirty="0"/>
           </a:p>
           <a:p>
             <a:pPr algn="ctr"/>
@@ -5958,15 +5874,11 @@
               <a:rPr lang="en-GB" sz="1600" dirty="0"/>
               <a:t>, </a:t>
             </a:r>
-            <a:r>
-              <a:rPr lang="en-GB" sz="1600" dirty="0" smtClean="0"/>
-              <a:t/>
-            </a:r>
             <a:br>
-              <a:rPr lang="en-GB" sz="1600" dirty="0" smtClean="0"/>
+              <a:rPr lang="en-GB" sz="1600" dirty="0"/>
             </a:br>
             <a:r>
-              <a:rPr lang="en-GB" sz="1600" dirty="0" smtClean="0">
+              <a:rPr lang="en-GB" sz="1600" dirty="0">
                 <a:solidFill>
                   <a:schemeClr val="tx2">
                     <a:lumMod val="75000"/>
@@ -6008,23 +5920,15 @@
               <a:rPr lang="en-GB" dirty="0"/>
               <a:t>    the predicted value of the outcome variable Y </a:t>
             </a:r>
-            <a:r>
-              <a:rPr lang="en-GB" dirty="0" smtClean="0"/>
-              <a:t/>
-            </a:r>
             <a:br>
-              <a:rPr lang="en-GB" dirty="0" smtClean="0"/>
+              <a:rPr lang="en-GB" dirty="0"/>
             </a:br>
             <a:r>
-              <a:rPr lang="en-GB" dirty="0" smtClean="0"/>
-              <a:t>(</a:t>
-            </a:r>
-            <a:r>
               <a:rPr lang="en-GB" dirty="0"/>
-              <a:t>e.g., </a:t>
-            </a:r>
-            <a:r>
-              <a:rPr lang="en-GB" dirty="0" smtClean="0">
+              <a:t>(e.g., </a:t>
+            </a:r>
+            <a:r>
+              <a:rPr lang="en-GB" dirty="0">
                 <a:solidFill>
                   <a:schemeClr val="accent5">
                     <a:lumMod val="50000"/>
@@ -6034,10 +5938,9 @@
               <a:t>trustworthiness</a:t>
             </a:r>
             <a:r>
-              <a:rPr lang="en-GB" dirty="0" smtClean="0"/>
+              <a:rPr lang="en-GB" dirty="0"/>
               <a:t>)</a:t>
             </a:r>
-            <a:endParaRPr lang="en-GB" dirty="0"/>
           </a:p>
           <a:p>
             <a:r>
@@ -6070,15 +5973,7 @@
             </a:r>
             <a:r>
               <a:rPr lang="en-GB" dirty="0"/>
-              <a:t>  the coefficient </a:t>
-            </a:r>
-            <a:r>
-              <a:rPr lang="en-GB" dirty="0" smtClean="0"/>
-              <a:t>for </a:t>
-            </a:r>
-            <a:r>
-              <a:rPr lang="en-GB" dirty="0"/>
-              <a:t>predictor X</a:t>
+              <a:t>  the coefficient for predictor X</a:t>
             </a:r>
             <a:r>
               <a:rPr lang="en-GB" baseline="-25000" dirty="0"/>
@@ -6089,7 +5984,7 @@
               <a:t>(e.g., </a:t>
             </a:r>
             <a:r>
-              <a:rPr lang="en-GB" dirty="0" smtClean="0">
+              <a:rPr lang="en-GB" dirty="0">
                 <a:solidFill>
                   <a:schemeClr val="accent5">
                     <a:lumMod val="50000"/>
@@ -6099,7 +5994,7 @@
               <a:t>attitude</a:t>
             </a:r>
             <a:r>
-              <a:rPr lang="en-GB" dirty="0" smtClean="0"/>
+              <a:rPr lang="en-GB" dirty="0"/>
               <a:t>)</a:t>
             </a:r>
             <a:endParaRPr lang="en-GB" baseline="-25000" dirty="0"/>
@@ -6115,15 +6010,7 @@
             </a:r>
             <a:r>
               <a:rPr lang="en-GB" dirty="0"/>
-              <a:t>  the </a:t>
-            </a:r>
-            <a:r>
-              <a:rPr lang="en-GB" dirty="0" smtClean="0"/>
-              <a:t>coefficient </a:t>
-            </a:r>
-            <a:r>
-              <a:rPr lang="en-GB" dirty="0"/>
-              <a:t>for predictor X</a:t>
+              <a:t>  the coefficient for predictor X</a:t>
             </a:r>
             <a:r>
               <a:rPr lang="en-GB" baseline="-25000" dirty="0"/>
@@ -6134,7 +6021,7 @@
               <a:t> (e.g., </a:t>
             </a:r>
             <a:r>
-              <a:rPr lang="en-GB" dirty="0" smtClean="0">
+              <a:rPr lang="en-GB" dirty="0">
                 <a:solidFill>
                   <a:schemeClr val="accent5">
                     <a:lumMod val="50000"/>
@@ -6144,33 +6031,25 @@
               <a:t>group</a:t>
             </a:r>
             <a:r>
-              <a:rPr lang="en-GB" dirty="0" smtClean="0"/>
+              <a:rPr lang="en-GB" dirty="0"/>
               <a:t>)</a:t>
             </a:r>
           </a:p>
           <a:p>
             <a:r>
-              <a:rPr lang="en-GB" b="1" dirty="0" smtClean="0"/>
+              <a:rPr lang="en-GB" b="1" dirty="0"/>
               <a:t>b</a:t>
             </a:r>
             <a:r>
-              <a:rPr lang="en-GB" b="1" baseline="-25000" dirty="0" smtClean="0"/>
+              <a:rPr lang="en-GB" b="1" baseline="-25000" dirty="0"/>
               <a:t>3   </a:t>
             </a:r>
             <a:r>
-              <a:rPr lang="en-GB" dirty="0" smtClean="0"/>
-              <a:t>the </a:t>
-            </a:r>
-            <a:r>
               <a:rPr lang="en-GB" dirty="0"/>
-              <a:t>coefficient </a:t>
-            </a:r>
-            <a:r>
-              <a:rPr lang="en-GB" dirty="0" smtClean="0"/>
-              <a:t>for interaction (e.g., </a:t>
-            </a:r>
-            <a:r>
-              <a:rPr lang="en-GB" dirty="0" smtClean="0">
+              <a:t>the coefficient for interaction (e.g., </a:t>
+            </a:r>
+            <a:r>
+              <a:rPr lang="en-GB" dirty="0">
                 <a:solidFill>
                   <a:schemeClr val="tx2"/>
                 </a:solidFill>
@@ -6178,10 +6057,10 @@
               <a:t>attitude x group</a:t>
             </a:r>
             <a:r>
-              <a:rPr lang="en-GB" dirty="0" smtClean="0"/>
+              <a:rPr lang="en-GB" dirty="0"/>
               <a:t>)</a:t>
             </a:r>
-            <a:endParaRPr lang="en-GB" b="1" baseline="-25000" dirty="0" smtClean="0"/>
+            <a:endParaRPr lang="en-GB" b="1" baseline="-25000" dirty="0"/>
           </a:p>
         </p:txBody>
       </p:sp>
@@ -7105,10 +6984,9 @@
           <a:lstStyle/>
           <a:p>
             <a:r>
-              <a:rPr lang="en-GB" dirty="0" smtClean="0"/>
+              <a:rPr lang="en-GB" dirty="0"/>
               <a:t>Beneath the surface: R</a:t>
             </a:r>
-            <a:endParaRPr lang="en-GB" dirty="0"/>
           </a:p>
         </p:txBody>
       </p:sp>
@@ -7296,7 +7174,7 @@
           <a:p>
             <a:pPr algn="ctr"/>
             <a:r>
-              <a:rPr lang="en-GB" sz="3600" dirty="0" smtClean="0"/>
+              <a:rPr lang="en-GB" sz="3600" dirty="0"/>
               <a:t>Y</a:t>
             </a:r>
             <a:endParaRPr lang="en-GB" sz="3600" baseline="-25000" dirty="0"/>
@@ -7330,7 +7208,7 @@
           <a:p>
             <a:pPr algn="ctr"/>
             <a:r>
-              <a:rPr lang="en-GB" sz="3600" dirty="0" smtClean="0"/>
+              <a:rPr lang="en-GB" sz="3600" dirty="0"/>
               <a:t>X</a:t>
             </a:r>
             <a:r>
@@ -7364,11 +7242,11 @@
           <a:p>
             <a:pPr algn="ctr"/>
             <a:r>
-              <a:rPr lang="en-GB" sz="3600" dirty="0" smtClean="0"/>
+              <a:rPr lang="en-GB" sz="3600" dirty="0"/>
               <a:t>X</a:t>
             </a:r>
             <a:r>
-              <a:rPr lang="en-GB" sz="3600" baseline="-25000" dirty="0" smtClean="0"/>
+              <a:rPr lang="en-GB" sz="3600" baseline="-25000" dirty="0"/>
               <a:t>2</a:t>
             </a:r>
             <a:endParaRPr lang="en-GB" sz="2000" baseline="-25000" dirty="0"/>
@@ -7440,21 +7318,21 @@
           <a:p>
             <a:pPr algn="ctr"/>
             <a:r>
-              <a:rPr lang="en-GB" sz="1400" dirty="0" smtClean="0"/>
+              <a:rPr lang="en-GB" sz="1400" dirty="0"/>
               <a:t>0 = affected</a:t>
             </a:r>
           </a:p>
           <a:p>
             <a:pPr algn="ctr"/>
             <a:r>
-              <a:rPr lang="en-GB" sz="1400" dirty="0" smtClean="0"/>
+              <a:rPr lang="en-GB" sz="1400" dirty="0"/>
               <a:t>1 = not affected</a:t>
             </a:r>
           </a:p>
           <a:p>
             <a:pPr algn="ctr"/>
             <a:r>
-              <a:rPr lang="en-GB" sz="2000" baseline="-25000" dirty="0" smtClean="0"/>
+              <a:rPr lang="en-GB" sz="2000" baseline="-25000" dirty="0"/>
               <a:t>(dummy coded)</a:t>
             </a:r>
             <a:endParaRPr lang="en-GB" sz="900" baseline="-25000" dirty="0"/>
@@ -7484,7 +7362,7 @@
           <a:p>
             <a:pPr algn="ctr"/>
             <a:r>
-              <a:rPr lang="en-GB" sz="1600" dirty="0" smtClean="0"/>
+              <a:rPr lang="en-GB" sz="1600" dirty="0"/>
               <a:t>Interaction term</a:t>
             </a:r>
             <a:endParaRPr lang="en-GB" sz="1050" baseline="-25000" dirty="0"/>
@@ -7986,34 +7864,31 @@
           <a:lstStyle/>
           <a:p>
             <a:r>
-              <a:rPr lang="en-GB" dirty="0" smtClean="0"/>
+              <a:rPr lang="en-GB" dirty="0"/>
               <a:t>Interaction term: </a:t>
             </a:r>
             <a:r>
-              <a:rPr lang="en-GB" sz="2800" dirty="0" smtClean="0">
+              <a:rPr lang="en-GB" sz="2800" dirty="0">
                 <a:latin typeface="Lucida Console" panose="020B0609040504020204" pitchFamily="49" charset="0"/>
               </a:rPr>
               <a:t>lm() </a:t>
             </a:r>
             <a:r>
-              <a:rPr lang="en-GB" dirty="0" smtClean="0"/>
+              <a:rPr lang="en-GB" dirty="0"/>
               <a:t>and </a:t>
             </a:r>
             <a:r>
-              <a:rPr lang="en-GB" sz="2800" dirty="0" err="1" smtClean="0">
+              <a:rPr lang="en-GB" sz="2800" dirty="0" err="1">
                 <a:latin typeface="Lucida Console" panose="020B0609040504020204" pitchFamily="49" charset="0"/>
               </a:rPr>
               <a:t>lmBF</a:t>
             </a:r>
             <a:r>
-              <a:rPr lang="en-GB" sz="2800" dirty="0" smtClean="0">
+              <a:rPr lang="en-GB" sz="2800" dirty="0">
                 <a:latin typeface="Lucida Console" panose="020B0609040504020204" pitchFamily="49" charset="0"/>
               </a:rPr>
               <a:t>()</a:t>
             </a:r>
-            <a:endParaRPr lang="en-GB" sz="2800" dirty="0">
-              <a:latin typeface="Lucida Console" panose="020B0609040504020204" pitchFamily="49" charset="0"/>
-            </a:endParaRPr>
           </a:p>
         </p:txBody>
       </p:sp>
@@ -8043,51 +7918,47 @@
               <a:buNone/>
             </a:pPr>
             <a:r>
-              <a:rPr lang="en-GB" sz="2400" dirty="0" smtClean="0"/>
+              <a:rPr lang="en-GB" sz="2400" dirty="0"/>
               <a:t>To add an interaction term to a model containing </a:t>
             </a:r>
             <a:r>
-              <a:rPr lang="en-GB" sz="2000" dirty="0" smtClean="0">
+              <a:rPr lang="en-GB" sz="2000" dirty="0">
                 <a:latin typeface="Lucida Console" panose="020B0609040504020204" pitchFamily="49" charset="0"/>
               </a:rPr>
               <a:t>predictor1</a:t>
             </a:r>
             <a:r>
-              <a:rPr lang="en-GB" sz="2400" dirty="0" smtClean="0"/>
+              <a:rPr lang="en-GB" sz="2400" dirty="0"/>
               <a:t> and </a:t>
             </a:r>
             <a:r>
-              <a:rPr lang="en-GB" sz="2000" dirty="0" smtClean="0">
+              <a:rPr lang="en-GB" sz="2000" dirty="0">
                 <a:latin typeface="Lucida Console" panose="020B0609040504020204" pitchFamily="49" charset="0"/>
               </a:rPr>
               <a:t>predictor2</a:t>
             </a:r>
             <a:r>
-              <a:rPr lang="en-GB" sz="2400" dirty="0" smtClean="0">
+              <a:rPr lang="en-GB" sz="2400" dirty="0">
                 <a:latin typeface="+mj-lt"/>
               </a:rPr>
               <a:t> use:</a:t>
             </a:r>
             <a:br>
-              <a:rPr lang="en-GB" sz="2400" dirty="0" smtClean="0">
+              <a:rPr lang="en-GB" sz="2400" dirty="0">
                 <a:latin typeface="+mj-lt"/>
               </a:rPr>
             </a:br>
-            <a:r>
-              <a:rPr lang="en-GB" sz="2000" dirty="0" smtClean="0"/>
-              <a:t/>
-            </a:r>
             <a:br>
-              <a:rPr lang="en-GB" sz="2000" dirty="0" smtClean="0"/>
+              <a:rPr lang="en-GB" sz="2000" dirty="0"/>
             </a:br>
             <a:r>
-              <a:rPr lang="en-GB" sz="2400" dirty="0" smtClean="0">
+              <a:rPr lang="en-GB" sz="2400" dirty="0">
                 <a:latin typeface="Lucida Console" panose="020B0609040504020204" pitchFamily="49" charset="0"/>
               </a:rPr>
               <a:t> + </a:t>
             </a:r>
             <a:r>
-              <a:rPr lang="en-GB" sz="2000" dirty="0" smtClean="0">
+              <a:rPr lang="en-GB" sz="2000" dirty="0">
                 <a:latin typeface="Lucida Console" panose="020B0609040504020204" pitchFamily="49" charset="0"/>
               </a:rPr>
               <a:t>predictor1*predictor2</a:t>
@@ -8300,19 +8171,19 @@
               <a:buNone/>
             </a:pPr>
             <a:r>
-              <a:rPr lang="en-GB" sz="1800" b="1" dirty="0" smtClean="0">
+              <a:rPr lang="en-GB" sz="1800" b="1" dirty="0">
                 <a:latin typeface="Lucida Console" panose="020B0609040504020204" pitchFamily="49" charset="0"/>
               </a:rPr>
               <a:t>lm(outcome ~ predictor1 + predictor2 + predictor1*predictor2, data = </a:t>
             </a:r>
             <a:r>
-              <a:rPr lang="en-GB" sz="1800" b="1" dirty="0" err="1" smtClean="0">
+              <a:rPr lang="en-GB" sz="1800" b="1" dirty="0" err="1">
                 <a:latin typeface="Lucida Console" panose="020B0609040504020204" pitchFamily="49" charset="0"/>
               </a:rPr>
               <a:t>mydata</a:t>
             </a:r>
             <a:r>
-              <a:rPr lang="en-GB" sz="1800" b="1" dirty="0" smtClean="0">
+              <a:rPr lang="en-GB" sz="1800" b="1" dirty="0">
                 <a:latin typeface="Lucida Console" panose="020B0609040504020204" pitchFamily="49" charset="0"/>
               </a:rPr>
               <a:t>)</a:t>
@@ -8323,7 +8194,7 @@
               <a:buFont typeface="Arial" pitchFamily="34" charset="0"/>
               <a:buNone/>
             </a:pPr>
-            <a:endParaRPr lang="en-GB" sz="2800" dirty="0" smtClean="0"/>
+            <a:endParaRPr lang="en-GB" sz="2800" dirty="0"/>
           </a:p>
           <a:p>
             <a:pPr marL="0" indent="0">
@@ -8357,7 +8228,7 @@
           <a:lstStyle/>
           <a:p>
             <a:r>
-              <a:rPr lang="en-GB" b="1" dirty="0" err="1" smtClean="0">
+              <a:rPr lang="en-GB" b="1" dirty="0" err="1">
                 <a:solidFill>
                   <a:schemeClr val="accent4">
                     <a:lumMod val="50000"/>
@@ -8542,19 +8413,19 @@
               <a:buNone/>
             </a:pPr>
             <a:r>
-              <a:rPr lang="en-GB" sz="1800" b="1" dirty="0" smtClean="0">
+              <a:rPr lang="en-GB" sz="1800" b="1" dirty="0">
                 <a:latin typeface="Lucida Console" panose="020B0609040504020204" pitchFamily="49" charset="0"/>
               </a:rPr>
               <a:t>lm(outcome ~ predictor1 + predictor2, data = </a:t>
             </a:r>
             <a:r>
-              <a:rPr lang="en-GB" sz="1800" b="1" dirty="0" err="1" smtClean="0">
+              <a:rPr lang="en-GB" sz="1800" b="1" dirty="0" err="1">
                 <a:latin typeface="Lucida Console" panose="020B0609040504020204" pitchFamily="49" charset="0"/>
               </a:rPr>
               <a:t>mydata</a:t>
             </a:r>
             <a:r>
-              <a:rPr lang="en-GB" sz="1800" b="1" dirty="0" smtClean="0">
+              <a:rPr lang="en-GB" sz="1800" b="1" dirty="0">
                 <a:latin typeface="Lucida Console" panose="020B0609040504020204" pitchFamily="49" charset="0"/>
               </a:rPr>
               <a:t>)</a:t>
@@ -8565,7 +8436,7 @@
               <a:buFont typeface="Arial" pitchFamily="34" charset="0"/>
               <a:buNone/>
             </a:pPr>
-            <a:endParaRPr lang="en-GB" sz="2800" dirty="0" smtClean="0"/>
+            <a:endParaRPr lang="en-GB" sz="2800" dirty="0"/>
           </a:p>
           <a:p>
             <a:pPr marL="0" indent="0">
@@ -8599,7 +8470,7 @@
           <a:lstStyle/>
           <a:p>
             <a:r>
-              <a:rPr lang="en-GB" b="1" dirty="0" err="1" smtClean="0">
+              <a:rPr lang="en-GB" b="1" dirty="0" err="1">
                 <a:solidFill>
                   <a:schemeClr val="accent4">
                     <a:lumMod val="50000"/>
@@ -8851,22 +8722,22 @@
               <a:buNone/>
             </a:pPr>
             <a:r>
-              <a:rPr lang="en-GB" dirty="0" smtClean="0"/>
+              <a:rPr lang="en-GB" dirty="0"/>
               <a:t>Obtain Bayes factors for each model using </a:t>
             </a:r>
             <a:r>
-              <a:rPr lang="en-GB" dirty="0" err="1" smtClean="0">
+              <a:rPr lang="en-GB" dirty="0" err="1">
                 <a:latin typeface="Lucida Console" panose="020B0609040504020204" pitchFamily="49" charset="0"/>
               </a:rPr>
               <a:t>lmBF</a:t>
             </a:r>
             <a:r>
-              <a:rPr lang="en-GB" dirty="0" smtClean="0">
+              <a:rPr lang="en-GB" dirty="0">
                 <a:latin typeface="Lucida Console" panose="020B0609040504020204" pitchFamily="49" charset="0"/>
               </a:rPr>
               <a:t>()</a:t>
             </a:r>
-            <a:endParaRPr lang="en-GB" sz="2400" dirty="0" smtClean="0">
+            <a:endParaRPr lang="en-GB" sz="2400" dirty="0">
               <a:latin typeface="Lucida Console" panose="020B0609040504020204" pitchFamily="49" charset="0"/>
             </a:endParaRPr>
           </a:p>
@@ -9077,13 +8948,13 @@
               <a:buNone/>
             </a:pPr>
             <a:r>
-              <a:rPr lang="en-GB" sz="1800" b="1" dirty="0" err="1" smtClean="0">
+              <a:rPr lang="en-GB" sz="1800" b="1" dirty="0" err="1">
                 <a:latin typeface="Lucida Console" panose="020B0609040504020204" pitchFamily="49" charset="0"/>
               </a:rPr>
               <a:t>lmBF</a:t>
             </a:r>
             <a:r>
-              <a:rPr lang="en-GB" sz="1800" b="1" dirty="0" smtClean="0">
+              <a:rPr lang="en-GB" sz="1800" b="1" dirty="0">
                 <a:latin typeface="Lucida Console" panose="020B0609040504020204" pitchFamily="49" charset="0"/>
               </a:rPr>
               <a:t>(outcome ~ predictor1 + predictor2 + predictor1*predictor2)</a:t>
@@ -9094,7 +8965,7 @@
               <a:buFont typeface="Arial" pitchFamily="34" charset="0"/>
               <a:buNone/>
             </a:pPr>
-            <a:endParaRPr lang="en-GB" sz="2800" dirty="0" smtClean="0"/>
+            <a:endParaRPr lang="en-GB" sz="2800" dirty="0"/>
           </a:p>
           <a:p>
             <a:pPr marL="0" indent="0">
@@ -9128,7 +8999,7 @@
           <a:lstStyle/>
           <a:p>
             <a:r>
-              <a:rPr lang="en-GB" b="1" dirty="0" err="1" smtClean="0">
+              <a:rPr lang="en-GB" b="1" dirty="0" err="1">
                 <a:solidFill>
                   <a:schemeClr val="accent4">
                     <a:lumMod val="50000"/>
@@ -9313,25 +9184,25 @@
               <a:buNone/>
             </a:pPr>
             <a:r>
-              <a:rPr lang="en-GB" sz="1800" b="1" dirty="0" err="1" smtClean="0">
+              <a:rPr lang="en-GB" sz="1800" b="1" dirty="0" err="1">
                 <a:latin typeface="Lucida Console" panose="020B0609040504020204" pitchFamily="49" charset="0"/>
               </a:rPr>
               <a:t>lmBF</a:t>
             </a:r>
             <a:r>
-              <a:rPr lang="en-GB" sz="1800" b="1" dirty="0" smtClean="0">
+              <a:rPr lang="en-GB" sz="1800" b="1" dirty="0">
                 <a:latin typeface="Lucida Console" panose="020B0609040504020204" pitchFamily="49" charset="0"/>
               </a:rPr>
               <a:t>(outcome ~ predictor1 + predictor2, data = </a:t>
             </a:r>
             <a:r>
-              <a:rPr lang="en-GB" sz="1800" b="1" dirty="0" err="1" smtClean="0">
+              <a:rPr lang="en-GB" sz="1800" b="1" dirty="0" err="1">
                 <a:latin typeface="Lucida Console" panose="020B0609040504020204" pitchFamily="49" charset="0"/>
               </a:rPr>
               <a:t>mydata</a:t>
             </a:r>
             <a:r>
-              <a:rPr lang="en-GB" sz="1800" b="1" dirty="0" smtClean="0">
+              <a:rPr lang="en-GB" sz="1800" b="1" dirty="0">
                 <a:latin typeface="Lucida Console" panose="020B0609040504020204" pitchFamily="49" charset="0"/>
               </a:rPr>
               <a:t>)</a:t>
@@ -9342,7 +9213,7 @@
               <a:buFont typeface="Arial" pitchFamily="34" charset="0"/>
               <a:buNone/>
             </a:pPr>
-            <a:endParaRPr lang="en-GB" sz="2800" dirty="0" smtClean="0"/>
+            <a:endParaRPr lang="en-GB" sz="2800" dirty="0"/>
           </a:p>
           <a:p>
             <a:pPr marL="0" indent="0">
@@ -9376,7 +9247,7 @@
           <a:lstStyle/>
           <a:p>
             <a:r>
-              <a:rPr lang="en-GB" b="1" dirty="0" err="1" smtClean="0">
+              <a:rPr lang="en-GB" b="1" dirty="0" err="1">
                 <a:solidFill>
                   <a:schemeClr val="accent4">
                     <a:lumMod val="50000"/>
@@ -9431,34 +9302,31 @@
           </a:lstStyle>
           <a:p>
             <a:r>
-              <a:rPr lang="en-GB" dirty="0" smtClean="0"/>
+              <a:rPr lang="en-GB" dirty="0"/>
               <a:t>Interaction term: </a:t>
             </a:r>
             <a:r>
-              <a:rPr lang="en-GB" sz="2800" dirty="0" smtClean="0">
+              <a:rPr lang="en-GB" sz="2800" dirty="0">
                 <a:latin typeface="Lucida Console" panose="020B0609040504020204" pitchFamily="49" charset="0"/>
               </a:rPr>
               <a:t>lm() </a:t>
             </a:r>
             <a:r>
-              <a:rPr lang="en-GB" dirty="0" smtClean="0"/>
+              <a:rPr lang="en-GB" dirty="0"/>
               <a:t>and </a:t>
             </a:r>
             <a:r>
-              <a:rPr lang="en-GB" sz="2800" dirty="0" err="1" smtClean="0">
+              <a:rPr lang="en-GB" sz="2800" dirty="0" err="1">
                 <a:latin typeface="Lucida Console" panose="020B0609040504020204" pitchFamily="49" charset="0"/>
               </a:rPr>
               <a:t>lmBF</a:t>
             </a:r>
             <a:r>
-              <a:rPr lang="en-GB" sz="2800" dirty="0" smtClean="0">
+              <a:rPr lang="en-GB" sz="2800" dirty="0">
                 <a:latin typeface="Lucida Console" panose="020B0609040504020204" pitchFamily="49" charset="0"/>
               </a:rPr>
               <a:t>()</a:t>
             </a:r>
-            <a:endParaRPr lang="en-GB" sz="2800" dirty="0">
-              <a:latin typeface="Lucida Console" panose="020B0609040504020204" pitchFamily="49" charset="0"/>
-            </a:endParaRPr>
           </a:p>
         </p:txBody>
       </p:sp>
@@ -9724,10 +9592,9 @@
           <a:lstStyle/>
           <a:p>
             <a:r>
-              <a:rPr lang="en-GB" sz="2400" dirty="0" smtClean="0"/>
+              <a:rPr lang="en-GB" sz="2400" dirty="0"/>
               <a:t>Using Bayes factors to assess the unique contribution of predictors</a:t>
             </a:r>
-            <a:endParaRPr lang="en-GB" sz="2400" dirty="0"/>
           </a:p>
         </p:txBody>
       </p:sp>
@@ -9761,7 +9628,7 @@
               <a:lstStyle/>
               <a:p>
                 <a:r>
-                  <a:rPr lang="en-GB" b="1" dirty="0" smtClean="0">
+                  <a:rPr lang="en-GB" b="1" dirty="0">
                     <a:solidFill>
                       <a:schemeClr val="tx2">
                         <a:lumMod val="50000"/>
@@ -9770,13 +9637,6 @@
                   </a:rPr>
                   <a:t>Bayes factors of models can be compared to tell us how much more likely a particular model is than another model:</a:t>
                 </a:r>
-                <a:endParaRPr lang="en-GB" b="1" dirty="0">
-                  <a:solidFill>
-                    <a:schemeClr val="tx2">
-                      <a:lumMod val="50000"/>
-                    </a:schemeClr>
-                  </a:solidFill>
-                </a:endParaRPr>
               </a:p>
               <a:p>
                 <a:endParaRPr lang="en-GB" sz="1600" b="1" dirty="0"/>
@@ -9877,14 +9737,14 @@
                     </m:oMath>
                   </m:oMathPara>
                 </a14:m>
-                <a:endParaRPr lang="en-GB" b="1" dirty="0" smtClean="0"/>
+                <a:endParaRPr lang="en-GB" b="1" dirty="0"/>
               </a:p>
               <a:p>
-                <a:endParaRPr lang="en-GB" sz="1600" b="1" dirty="0" smtClean="0"/>
+                <a:endParaRPr lang="en-GB" sz="1600" b="1" dirty="0"/>
               </a:p>
               <a:p>
                 <a:r>
-                  <a:rPr lang="en-GB" dirty="0" smtClean="0"/>
+                  <a:rPr lang="en-GB" dirty="0"/>
                   <a:t>This will tell us how many times more likely the more complex model is than the simpler model.</a:t>
                 </a:r>
               </a:p>
@@ -9955,13 +9815,13 @@
               <a:lstStyle/>
               <a:p>
                 <a:r>
-                  <a:rPr lang="en-GB" dirty="0" smtClean="0"/>
+                  <a:rPr lang="en-GB" dirty="0"/>
                   <a:t>So, comparing:</a:t>
                 </a:r>
               </a:p>
               <a:p>
                 <a:r>
-                  <a:rPr lang="en-GB" sz="1600" dirty="0" smtClean="0"/>
+                  <a:rPr lang="en-GB" sz="1600" dirty="0"/>
                   <a:t> </a:t>
                 </a:r>
               </a:p>
@@ -10073,39 +9933,15 @@
                     </m:oMath>
                   </m:oMathPara>
                 </a14:m>
-                <a:endParaRPr lang="en-GB" dirty="0" smtClean="0"/>
+                <a:endParaRPr lang="en-GB" dirty="0"/>
               </a:p>
               <a:p>
                 <a:endParaRPr lang="en-GB" sz="1600" dirty="0"/>
               </a:p>
               <a:p>
                 <a:r>
-                  <a:rPr lang="en-GB" dirty="0" smtClean="0"/>
-                  <a:t>will tell </a:t>
-                </a:r>
-                <a:r>
                   <a:rPr lang="en-GB" dirty="0"/>
-                  <a:t>us </a:t>
-                </a:r>
-                <a:r>
-                  <a:rPr lang="en-GB" dirty="0" smtClean="0"/>
-                  <a:t>how </a:t>
-                </a:r>
-                <a:r>
-                  <a:rPr lang="en-GB" dirty="0"/>
-                  <a:t>many </a:t>
-                </a:r>
-                <a:r>
-                  <a:rPr lang="en-GB" dirty="0" smtClean="0"/>
-                  <a:t>times more likely </a:t>
-                </a:r>
-                <a:r>
-                  <a:rPr lang="en-GB" dirty="0"/>
-                  <a:t>the model is with </a:t>
-                </a:r>
-                <a:r>
-                  <a:rPr lang="en-GB" dirty="0" smtClean="0"/>
-                  <a:t>the interaction than without it.</a:t>
+                  <a:t>will tell us how many times more likely the model is with the interaction than without it.</a:t>
                 </a:r>
               </a:p>
               <a:p>
@@ -10113,15 +9949,15 @@
               </a:p>
               <a:p>
                 <a:r>
-                  <a:rPr lang="en-GB" dirty="0" smtClean="0"/>
+                  <a:rPr lang="en-GB" dirty="0"/>
                   <a:t>It therefore tells us whether the interaction makes a unique contribution to the full model or no</a:t>
                 </a:r>
                 <a:r>
-                  <a:rPr lang="en-GB" sz="1600" dirty="0" smtClean="0"/>
+                  <a:rPr lang="en-GB" sz="1600" dirty="0"/>
                   <a:t>t</a:t>
                 </a:r>
                 <a:br>
-                  <a:rPr lang="en-GB" sz="1600" dirty="0" smtClean="0"/>
+                  <a:rPr lang="en-GB" sz="1600" dirty="0"/>
                 </a:br>
                 <a:endParaRPr lang="en-GB" sz="1600" dirty="0"/>
               </a:p>
@@ -10770,7 +10606,7 @@
           <a:lstStyle/>
           <a:p>
             <a:r>
-              <a:rPr lang="en-GB" b="1" dirty="0" smtClean="0"/>
+              <a:rPr lang="en-GB" b="1" dirty="0"/>
               <a:t>group</a:t>
             </a:r>
             <a:endParaRPr lang="en-GB" b="1" baseline="-25000" dirty="0"/>
@@ -10800,7 +10636,7 @@
           <a:lstStyle/>
           <a:p>
             <a:r>
-              <a:rPr lang="en-GB" b="1" dirty="0" smtClean="0"/>
+              <a:rPr lang="en-GB" b="1" dirty="0"/>
               <a:t>attitude</a:t>
             </a:r>
             <a:endParaRPr lang="en-GB" b="1" baseline="-25000" dirty="0"/>
@@ -10830,10 +10666,9 @@
           <a:lstStyle/>
           <a:p>
             <a:r>
-              <a:rPr lang="en-GB" sz="2400" dirty="0" smtClean="0"/>
+              <a:rPr lang="en-GB" sz="2400" dirty="0"/>
               <a:t>Variance explained by the model</a:t>
             </a:r>
-            <a:endParaRPr lang="en-GB" sz="2400" dirty="0"/>
           </a:p>
         </p:txBody>
       </p:sp>
@@ -10860,7 +10695,7 @@
           <a:lstStyle/>
           <a:p>
             <a:r>
-              <a:rPr lang="en-GB" sz="2000" b="1" u="sng" dirty="0" smtClean="0">
+              <a:rPr lang="en-GB" sz="2000" b="1" u="sng" dirty="0">
                 <a:solidFill>
                   <a:schemeClr val="tx2"/>
                 </a:solidFill>
@@ -10870,7 +10705,7 @@
           </a:p>
           <a:p>
             <a:r>
-              <a:rPr lang="en-GB" sz="2000" dirty="0" smtClean="0">
+              <a:rPr lang="en-GB" sz="2000" dirty="0">
                 <a:solidFill>
                   <a:schemeClr val="tx2"/>
                 </a:solidFill>
@@ -10878,7 +10713,7 @@
               <a:t>Unique contribution of </a:t>
             </a:r>
             <a:r>
-              <a:rPr lang="en-GB" sz="2000" b="1" dirty="0" smtClean="0">
+              <a:rPr lang="en-GB" sz="2000" b="1" dirty="0">
                 <a:solidFill>
                   <a:schemeClr val="tx2"/>
                 </a:solidFill>
@@ -10886,7 +10721,7 @@
               <a:t>attitude</a:t>
             </a:r>
             <a:r>
-              <a:rPr lang="en-GB" sz="2000" dirty="0" smtClean="0">
+              <a:rPr lang="en-GB" sz="2000" dirty="0">
                 <a:solidFill>
                   <a:schemeClr val="tx2"/>
                 </a:solidFill>
@@ -10920,7 +10755,7 @@
           <a:lstStyle/>
           <a:p>
             <a:r>
-              <a:rPr lang="en-GB" sz="2000" b="1" u="sng" dirty="0" smtClean="0">
+              <a:rPr lang="en-GB" sz="2000" b="1" u="sng" dirty="0">
                 <a:solidFill>
                   <a:schemeClr val="tx2"/>
                 </a:solidFill>
@@ -10930,7 +10765,7 @@
           </a:p>
           <a:p>
             <a:r>
-              <a:rPr lang="en-GB" sz="2000" dirty="0" smtClean="0">
+              <a:rPr lang="en-GB" sz="2000" dirty="0">
                 <a:solidFill>
                   <a:schemeClr val="tx2"/>
                 </a:solidFill>
@@ -10938,7 +10773,7 @@
               <a:t>Unique contribution of </a:t>
             </a:r>
             <a:r>
-              <a:rPr lang="en-GB" sz="2000" b="1" dirty="0" smtClean="0">
+              <a:rPr lang="en-GB" sz="2000" b="1" dirty="0">
                 <a:solidFill>
                   <a:schemeClr val="tx2"/>
                 </a:solidFill>
@@ -10946,7 +10781,7 @@
               <a:t>group</a:t>
             </a:r>
             <a:r>
-              <a:rPr lang="en-GB" sz="2000" dirty="0" smtClean="0">
+              <a:rPr lang="en-GB" sz="2000" dirty="0">
                 <a:solidFill>
                   <a:schemeClr val="tx2"/>
                 </a:solidFill>
@@ -10980,11 +10815,11 @@
           <a:lstStyle/>
           <a:p>
             <a:r>
-              <a:rPr lang="en-GB" dirty="0" smtClean="0"/>
+              <a:rPr lang="en-GB" dirty="0"/>
               <a:t>Box = total variance in </a:t>
             </a:r>
             <a:r>
-              <a:rPr lang="en-GB" b="1" dirty="0" smtClean="0">
+              <a:rPr lang="en-GB" b="1" dirty="0">
                 <a:solidFill>
                   <a:schemeClr val="tx2"/>
                 </a:solidFill>
@@ -10992,7 +10827,7 @@
               <a:t>trustworthiness</a:t>
             </a:r>
             <a:r>
-              <a:rPr lang="en-GB" dirty="0" smtClean="0"/>
+              <a:rPr lang="en-GB" dirty="0"/>
               <a:t> to be explained</a:t>
             </a:r>
           </a:p>
@@ -11021,7 +10856,7 @@
           <a:lstStyle/>
           <a:p>
             <a:r>
-              <a:rPr lang="en-GB" dirty="0" smtClean="0"/>
+              <a:rPr lang="en-GB" dirty="0"/>
               <a:t>Overlap regions = correlations between variables</a:t>
             </a:r>
             <a:endParaRPr lang="en-GB" b="1" dirty="0"/>
@@ -11099,7 +10934,7 @@
           <a:lstStyle/>
           <a:p>
             <a:r>
-              <a:rPr lang="en-GB" b="1" dirty="0" smtClean="0"/>
+              <a:rPr lang="en-GB" b="1" dirty="0"/>
               <a:t>attitude x group</a:t>
             </a:r>
             <a:endParaRPr lang="en-GB" b="1" baseline="-25000" dirty="0"/>
@@ -11129,7 +10964,7 @@
           <a:lstStyle/>
           <a:p>
             <a:r>
-              <a:rPr lang="en-GB" sz="2000" b="1" u="sng" dirty="0" smtClean="0">
+              <a:rPr lang="en-GB" sz="2000" b="1" u="sng" dirty="0">
                 <a:solidFill>
                   <a:schemeClr val="tx2"/>
                 </a:solidFill>
@@ -11139,7 +10974,7 @@
           </a:p>
           <a:p>
             <a:r>
-              <a:rPr lang="en-GB" sz="2000" dirty="0" smtClean="0">
+              <a:rPr lang="en-GB" sz="2000" dirty="0">
                 <a:solidFill>
                   <a:schemeClr val="tx2"/>
                 </a:solidFill>
@@ -11147,7 +10982,7 @@
               <a:t>Unique contribution of the </a:t>
             </a:r>
             <a:r>
-              <a:rPr lang="en-GB" sz="2000" b="1" dirty="0" smtClean="0">
+              <a:rPr lang="en-GB" sz="2000" b="1" dirty="0">
                 <a:solidFill>
                   <a:schemeClr val="tx2"/>
                 </a:solidFill>
@@ -11155,7 +10990,7 @@
               <a:t>attitude</a:t>
             </a:r>
             <a:r>
-              <a:rPr lang="en-GB" sz="2000" dirty="0" smtClean="0">
+              <a:rPr lang="en-GB" sz="2000" dirty="0">
                 <a:solidFill>
                   <a:schemeClr val="tx2"/>
                 </a:solidFill>
@@ -11163,7 +10998,7 @@
               <a:t> x </a:t>
             </a:r>
             <a:r>
-              <a:rPr lang="en-GB" sz="2000" b="1" dirty="0" smtClean="0">
+              <a:rPr lang="en-GB" sz="2000" b="1" dirty="0">
                 <a:solidFill>
                   <a:schemeClr val="tx2"/>
                 </a:solidFill>
@@ -11171,7 +11006,7 @@
               <a:t>group</a:t>
             </a:r>
             <a:r>
-              <a:rPr lang="en-GB" sz="2000" dirty="0" smtClean="0">
+              <a:rPr lang="en-GB" sz="2000" dirty="0">
                 <a:solidFill>
                   <a:schemeClr val="tx2"/>
                 </a:solidFill>
@@ -11205,15 +11040,15 @@
           <a:lstStyle/>
           <a:p>
             <a:r>
-              <a:rPr lang="en-GB" dirty="0" smtClean="0"/>
+              <a:rPr lang="en-GB" dirty="0"/>
               <a:t>Areas of sections correspond to increases in R</a:t>
             </a:r>
             <a:r>
-              <a:rPr lang="en-GB" baseline="30000" dirty="0" smtClean="0"/>
+              <a:rPr lang="en-GB" baseline="30000" dirty="0"/>
               <a:t>2</a:t>
             </a:r>
             <a:r>
-              <a:rPr lang="en-GB" dirty="0" smtClean="0"/>
+              <a:rPr lang="en-GB" dirty="0"/>
               <a:t> when predictor added to the model</a:t>
             </a:r>
             <a:endParaRPr lang="en-GB" b="1" baseline="30000" dirty="0"/>
@@ -11913,10 +11748,9 @@
           <a:lstStyle/>
           <a:p>
             <a:r>
-              <a:rPr lang="en-GB" dirty="0" smtClean="0"/>
+              <a:rPr lang="en-GB" dirty="0"/>
               <a:t>Follow up tests: Simple slopes analysis</a:t>
             </a:r>
-            <a:endParaRPr lang="en-GB" dirty="0"/>
           </a:p>
         </p:txBody>
       </p:sp>
@@ -11944,10 +11778,9 @@
               <a:buNone/>
             </a:pPr>
             <a:r>
-              <a:rPr lang="en-GB" dirty="0" smtClean="0"/>
+              <a:rPr lang="en-GB" dirty="0"/>
               <a:t>Given evidence for the interaction term (BF &gt; 3)</a:t>
             </a:r>
-            <a:endParaRPr lang="en-GB" dirty="0"/>
           </a:p>
         </p:txBody>
       </p:sp>
@@ -12048,10 +11881,9 @@
           <a:p>
             <a:pPr algn="ctr"/>
             <a:r>
-              <a:rPr lang="en-GB" dirty="0" smtClean="0"/>
+              <a:rPr lang="en-GB" dirty="0"/>
               <a:t>Trustworthiness</a:t>
             </a:r>
-            <a:endParaRPr lang="en-GB" dirty="0"/>
           </a:p>
         </p:txBody>
       </p:sp>
@@ -12081,10 +11913,9 @@
           <a:p>
             <a:pPr algn="ctr"/>
             <a:r>
-              <a:rPr lang="en-GB" dirty="0" smtClean="0"/>
+              <a:rPr lang="en-GB" dirty="0"/>
               <a:t>       Attitude</a:t>
             </a:r>
-            <a:endParaRPr lang="en-GB" dirty="0"/>
           </a:p>
         </p:txBody>
       </p:sp>
@@ -12114,10 +11945,9 @@
           <a:p>
             <a:pPr algn="ctr"/>
             <a:r>
-              <a:rPr lang="en-GB" dirty="0" smtClean="0"/>
+              <a:rPr lang="en-GB" dirty="0"/>
               <a:t>affected</a:t>
             </a:r>
-            <a:endParaRPr lang="en-GB" dirty="0"/>
           </a:p>
         </p:txBody>
       </p:sp>
@@ -12148,13 +11978,8 @@
             <a:pPr algn="ctr"/>
             <a:r>
               <a:rPr lang="en-GB" dirty="0"/>
-              <a:t>n</a:t>
-            </a:r>
-            <a:r>
-              <a:rPr lang="en-GB" dirty="0" smtClean="0"/>
-              <a:t>ot affected</a:t>
-            </a:r>
-            <a:endParaRPr lang="en-GB" dirty="0"/>
+              <a:t>not affected</a:t>
+            </a:r>
           </a:p>
         </p:txBody>
       </p:sp>
@@ -12206,10 +12031,9 @@
           <a:lstStyle/>
           <a:p>
             <a:r>
-              <a:rPr lang="en-GB" b="1" dirty="0" smtClean="0"/>
+              <a:rPr lang="en-GB" b="1" dirty="0"/>
               <a:t>Group</a:t>
             </a:r>
-            <a:endParaRPr lang="en-GB" b="1" dirty="0"/>
           </a:p>
         </p:txBody>
       </p:sp>
@@ -12240,11 +12064,11 @@
               <a:buChar char="•"/>
             </a:pPr>
             <a:r>
-              <a:rPr lang="en-GB" sz="2400" dirty="0" smtClean="0"/>
+              <a:rPr lang="en-GB" sz="2400" dirty="0"/>
               <a:t>Split the dataset by </a:t>
             </a:r>
             <a:r>
-              <a:rPr lang="en-GB" sz="2400" dirty="0" smtClean="0">
+              <a:rPr lang="en-GB" sz="2400" dirty="0">
                 <a:solidFill>
                   <a:schemeClr val="tx2"/>
                 </a:solidFill>
@@ -12252,13 +12076,13 @@
               <a:t>group</a:t>
             </a:r>
             <a:br>
-              <a:rPr lang="en-GB" sz="2400" dirty="0" smtClean="0">
+              <a:rPr lang="en-GB" sz="2400" dirty="0">
                 <a:solidFill>
                   <a:schemeClr val="tx2"/>
                 </a:solidFill>
               </a:rPr>
             </a:br>
-            <a:endParaRPr lang="en-GB" sz="2400" dirty="0" smtClean="0"/>
+            <a:endParaRPr lang="en-GB" sz="2400" dirty="0"/>
           </a:p>
           <a:p>
             <a:pPr marL="285750" indent="-285750">
@@ -12266,32 +12090,24 @@
               <a:buChar char="•"/>
             </a:pPr>
             <a:r>
-              <a:rPr lang="en-GB" sz="2000" b="1" dirty="0" smtClean="0">
+              <a:rPr lang="en-GB" sz="2000" b="1" dirty="0">
                 <a:latin typeface="Lucida Console" panose="020B0609040504020204" pitchFamily="49" charset="0"/>
               </a:rPr>
               <a:t>affected group data</a:t>
             </a:r>
             <a:r>
-              <a:rPr lang="en-GB" sz="2400" dirty="0" smtClean="0"/>
+              <a:rPr lang="en-GB" sz="2400" dirty="0"/>
               <a:t>:</a:t>
             </a:r>
           </a:p>
           <a:p>
             <a:pPr lvl="1"/>
             <a:r>
-              <a:rPr lang="en-GB" sz="2400" dirty="0" smtClean="0"/>
-              <a:t>Conduct a </a:t>
-            </a:r>
-            <a:r>
               <a:rPr lang="en-GB" sz="2400" dirty="0"/>
-              <a:t>s</a:t>
-            </a:r>
-            <a:r>
-              <a:rPr lang="en-GB" sz="2400" dirty="0" smtClean="0"/>
-              <a:t>imple regression of </a:t>
-            </a:r>
-            <a:r>
-              <a:rPr lang="en-GB" sz="2400" dirty="0" smtClean="0">
+              <a:t>Conduct a simple regression of </a:t>
+            </a:r>
+            <a:r>
+              <a:rPr lang="en-GB" sz="2400" dirty="0">
                 <a:solidFill>
                   <a:schemeClr val="tx2"/>
                 </a:solidFill>
@@ -12299,11 +12115,11 @@
               <a:t>trustworthiness</a:t>
             </a:r>
             <a:r>
-              <a:rPr lang="en-GB" sz="2400" dirty="0" smtClean="0"/>
+              <a:rPr lang="en-GB" sz="2400" dirty="0"/>
               <a:t> on basis of </a:t>
             </a:r>
             <a:r>
-              <a:rPr lang="en-GB" sz="2400" dirty="0" smtClean="0">
+              <a:rPr lang="en-GB" sz="2400" dirty="0">
                 <a:solidFill>
                   <a:schemeClr val="tx2"/>
                 </a:solidFill>
@@ -12311,11 +12127,11 @@
               <a:t>attitude</a:t>
             </a:r>
             <a:r>
-              <a:rPr lang="en-GB" sz="2400" dirty="0" smtClean="0"/>
+              <a:rPr lang="en-GB" sz="2400" dirty="0"/>
               <a:t> (</a:t>
             </a:r>
             <a:r>
-              <a:rPr lang="en-GB" sz="2400" b="1" dirty="0" smtClean="0">
+              <a:rPr lang="en-GB" sz="2400" b="1" dirty="0">
                 <a:solidFill>
                   <a:schemeClr val="accent2">
                     <a:lumMod val="75000"/>
@@ -12325,13 +12141,13 @@
               <a:t>red line</a:t>
             </a:r>
             <a:r>
-              <a:rPr lang="en-GB" sz="2400" dirty="0" smtClean="0"/>
+              <a:rPr lang="en-GB" sz="2400" dirty="0"/>
               <a:t>)</a:t>
             </a:r>
             <a:br>
-              <a:rPr lang="en-GB" sz="2400" dirty="0" smtClean="0"/>
+              <a:rPr lang="en-GB" sz="2400" dirty="0"/>
             </a:br>
-            <a:endParaRPr lang="en-GB" sz="2400" dirty="0" smtClean="0"/>
+            <a:endParaRPr lang="en-GB" sz="2400" dirty="0"/>
           </a:p>
           <a:p>
             <a:pPr marL="285750" indent="-285750">
@@ -12339,16 +12155,10 @@
               <a:buChar char="•"/>
             </a:pPr>
             <a:r>
-              <a:rPr lang="en-GB" sz="2000" b="1" dirty="0" smtClean="0">
-                <a:latin typeface="Lucida Console" panose="020B0609040504020204" pitchFamily="49" charset="0"/>
-              </a:rPr>
-              <a:t>not affected </a:t>
-            </a:r>
-            <a:r>
               <a:rPr lang="en-GB" sz="2000" b="1" dirty="0">
                 <a:latin typeface="Lucida Console" panose="020B0609040504020204" pitchFamily="49" charset="0"/>
               </a:rPr>
-              <a:t>group data:</a:t>
+              <a:t>not affected group data:</a:t>
             </a:r>
           </a:p>
           <a:p>
@@ -12379,19 +12189,7 @@
             </a:r>
             <a:r>
               <a:rPr lang="en-GB" sz="2400" dirty="0"/>
-              <a:t> </a:t>
-            </a:r>
-            <a:r>
-              <a:rPr lang="en-GB" sz="2400" dirty="0" smtClean="0"/>
-              <a:t>(</a:t>
-            </a:r>
-            <a:r>
-              <a:rPr lang="en-GB" sz="2400" b="1" dirty="0" smtClean="0">
-                <a:solidFill>
-                  <a:schemeClr val="accent1"/>
-                </a:solidFill>
-              </a:rPr>
-              <a:t>blue </a:t>
+              <a:t> (</a:t>
             </a:r>
             <a:r>
               <a:rPr lang="en-GB" sz="2400" b="1" dirty="0">
@@ -12399,7 +12197,7 @@
                   <a:schemeClr val="accent1"/>
                 </a:solidFill>
               </a:rPr>
-              <a:t>line</a:t>
+              <a:t>blue line</a:t>
             </a:r>
             <a:r>
               <a:rPr lang="en-GB" sz="2400" dirty="0"/>
@@ -12408,11 +12206,11 @@
           </a:p>
           <a:p>
             <a:pPr lvl="1"/>
-            <a:endParaRPr lang="en-GB" sz="2400" dirty="0" smtClean="0"/>
+            <a:endParaRPr lang="en-GB" sz="2400" dirty="0"/>
           </a:p>
           <a:p>
             <a:pPr lvl="1"/>
-            <a:endParaRPr lang="en-GB" sz="2400" dirty="0" smtClean="0"/>
+            <a:endParaRPr lang="en-GB" sz="2400" dirty="0"/>
           </a:p>
         </p:txBody>
       </p:sp>
@@ -12942,10 +12740,9 @@
           <a:lstStyle/>
           <a:p>
             <a:r>
-              <a:rPr lang="en-GB" dirty="0" smtClean="0"/>
+              <a:rPr lang="en-GB" dirty="0"/>
               <a:t>Additive Model</a:t>
             </a:r>
-            <a:endParaRPr lang="en-GB" dirty="0"/>
           </a:p>
         </p:txBody>
       </p:sp>
@@ -12975,10 +12772,9 @@
               <a:buNone/>
             </a:pPr>
             <a:r>
-              <a:rPr lang="en-GB" sz="2400" dirty="0" smtClean="0"/>
+              <a:rPr lang="en-GB" sz="2400" dirty="0"/>
               <a:t>If there’s insufficient evidence for the interaction term (BF &lt; 3) or evidence for the model without the interaction (BF &lt; 0.33)</a:t>
             </a:r>
-            <a:endParaRPr lang="en-GB" sz="2400" dirty="0"/>
           </a:p>
         </p:txBody>
       </p:sp>
@@ -13229,10 +13025,9 @@
           <a:lstStyle/>
           <a:p>
             <a:r>
-              <a:rPr lang="en-GB" dirty="0" smtClean="0"/>
+              <a:rPr lang="en-GB" dirty="0"/>
               <a:t>Lines parallel</a:t>
             </a:r>
-            <a:endParaRPr lang="en-GB" dirty="0"/>
           </a:p>
         </p:txBody>
       </p:sp>
@@ -13264,10 +13059,9 @@
           <a:p>
             <a:pPr algn="ctr"/>
             <a:r>
-              <a:rPr lang="en-GB" dirty="0" smtClean="0"/>
+              <a:rPr lang="en-GB" dirty="0"/>
               <a:t>Trustworthiness</a:t>
             </a:r>
-            <a:endParaRPr lang="en-GB" dirty="0"/>
           </a:p>
         </p:txBody>
       </p:sp>
@@ -13299,10 +13093,9 @@
           <a:p>
             <a:pPr algn="ctr"/>
             <a:r>
-              <a:rPr lang="en-GB" dirty="0" smtClean="0"/>
+              <a:rPr lang="en-GB" dirty="0"/>
               <a:t>       Attitude</a:t>
             </a:r>
-            <a:endParaRPr lang="en-GB" dirty="0"/>
           </a:p>
         </p:txBody>
       </p:sp>
@@ -13357,10 +13150,9 @@
           <a:p>
             <a:pPr algn="ctr"/>
             <a:r>
-              <a:rPr lang="en-GB" dirty="0" smtClean="0"/>
+              <a:rPr lang="en-GB" dirty="0"/>
               <a:t>affected</a:t>
             </a:r>
-            <a:endParaRPr lang="en-GB" dirty="0"/>
           </a:p>
         </p:txBody>
       </p:sp>
@@ -13393,13 +13185,8 @@
             <a:pPr algn="ctr"/>
             <a:r>
               <a:rPr lang="en-GB" dirty="0"/>
-              <a:t>n</a:t>
-            </a:r>
-            <a:r>
-              <a:rPr lang="en-GB" dirty="0" smtClean="0"/>
-              <a:t>ot affected</a:t>
-            </a:r>
-            <a:endParaRPr lang="en-GB" dirty="0"/>
+              <a:t>not affected</a:t>
+            </a:r>
           </a:p>
         </p:txBody>
       </p:sp>
@@ -13453,10 +13240,9 @@
           <a:lstStyle/>
           <a:p>
             <a:r>
-              <a:rPr lang="en-GB" b="1" dirty="0" smtClean="0"/>
+              <a:rPr lang="en-GB" b="1" dirty="0"/>
               <a:t>Group</a:t>
             </a:r>
-            <a:endParaRPr lang="en-GB" b="1" dirty="0"/>
           </a:p>
         </p:txBody>
       </p:sp>
@@ -13483,18 +13269,18 @@
           <a:lstStyle/>
           <a:p>
             <a:r>
-              <a:rPr lang="en-GB" sz="2400" dirty="0" smtClean="0"/>
+              <a:rPr lang="en-GB" sz="2400" dirty="0"/>
               <a:t>Assume the model without the interaction is true</a:t>
             </a:r>
           </a:p>
           <a:p>
             <a:r>
-              <a:rPr lang="en-GB" sz="2400" dirty="0" smtClean="0"/>
+              <a:rPr lang="en-GB" sz="2400" dirty="0"/>
               <a:t>i.e., an “additive” model</a:t>
             </a:r>
           </a:p>
           <a:p>
-            <a:endParaRPr lang="en-GB" sz="2400" dirty="0" smtClean="0"/>
+            <a:endParaRPr lang="en-GB" sz="2400" dirty="0"/>
           </a:p>
           <a:p>
             <a:r>
@@ -13536,11 +13322,11 @@
           </a:p>
           <a:p>
             <a:r>
-              <a:rPr lang="en-GB" sz="2400" dirty="0" smtClean="0"/>
+              <a:rPr lang="en-GB" sz="2400" dirty="0"/>
               <a:t>Test for unique contribution of </a:t>
             </a:r>
             <a:r>
-              <a:rPr lang="en-GB" sz="2400" dirty="0" smtClean="0">
+              <a:rPr lang="en-GB" sz="2400" dirty="0">
                 <a:solidFill>
                   <a:schemeClr val="tx2"/>
                 </a:solidFill>
@@ -13548,11 +13334,11 @@
               <a:t>attitude</a:t>
             </a:r>
             <a:r>
-              <a:rPr lang="en-GB" sz="2400" dirty="0" smtClean="0"/>
+              <a:rPr lang="en-GB" sz="2400" dirty="0"/>
               <a:t> and </a:t>
             </a:r>
             <a:r>
-              <a:rPr lang="en-GB" sz="2400" dirty="0" smtClean="0">
+              <a:rPr lang="en-GB" sz="2400" dirty="0">
                 <a:solidFill>
                   <a:schemeClr val="tx2"/>
                 </a:solidFill>
@@ -13560,10 +13346,9 @@
               <a:t>group</a:t>
             </a:r>
             <a:r>
-              <a:rPr lang="en-GB" sz="2400" dirty="0" smtClean="0"/>
+              <a:rPr lang="en-GB" sz="2400" dirty="0"/>
               <a:t> to the model using BFs (as in Session 2)</a:t>
             </a:r>
-            <a:endParaRPr lang="en-GB" sz="2400" dirty="0"/>
           </a:p>
         </p:txBody>
       </p:sp>
@@ -14103,17 +13888,17 @@
           <a:lstStyle/>
           <a:p>
             <a:r>
-              <a:rPr lang="en-GB" sz="3200" b="1" dirty="0" smtClean="0"/>
+              <a:rPr lang="en-GB" sz="3200" b="1" dirty="0"/>
               <a:t>Activity: Remainder of Session</a:t>
             </a:r>
           </a:p>
           <a:p>
             <a:r>
-              <a:rPr lang="en-GB" sz="3200" b="1" dirty="0" smtClean="0"/>
+              <a:rPr lang="en-GB" sz="3200" b="1" dirty="0"/>
               <a:t>Start Worksheet 4 and Exercises using </a:t>
             </a:r>
             <a:r>
-              <a:rPr lang="en-GB" sz="3200" b="1" dirty="0" err="1" smtClean="0"/>
+              <a:rPr lang="en-GB" sz="3200" b="1" dirty="0" err="1"/>
               <a:t>RStudio</a:t>
             </a:r>
             <a:endParaRPr lang="en-GB" sz="3200" b="1" dirty="0"/>
@@ -14148,10 +13933,9 @@
           <a:lstStyle/>
           <a:p>
             <a:r>
-              <a:rPr lang="en-GB" sz="3200" b="1" dirty="0" smtClean="0"/>
-              <a:t>Support session Friday 1-2pm on Zoom (Paul)</a:t>
-            </a:r>
-            <a:endParaRPr lang="en-GB" sz="3200" b="1" dirty="0"/>
+              <a:rPr lang="en-GB" sz="3200" b="1" dirty="0"/>
+              <a:t>Support session Friday 1-2pm</a:t>
+            </a:r>
           </a:p>
         </p:txBody>
       </p:sp>
@@ -14184,11 +13968,7 @@
           <a:p>
             <a:r>
               <a:rPr lang="en-GB" sz="2400" dirty="0"/>
-              <a:t>Worksheet </a:t>
-            </a:r>
-            <a:r>
-              <a:rPr lang="en-GB" sz="2400" dirty="0" smtClean="0"/>
-              <a:t>4: </a:t>
+              <a:t>Worksheet 4: </a:t>
             </a:r>
             <a:endParaRPr lang="en-GB" sz="2400" dirty="0">
               <a:hlinkClick r:id="rId3"/>
@@ -14196,31 +13976,18 @@
           </a:p>
           <a:p>
             <a:r>
-              <a:rPr lang="en-GB" sz="2400" dirty="0" smtClean="0">
-                <a:hlinkClick r:id="rId3"/>
-              </a:rPr>
-              <a:t>https</a:t>
-            </a:r>
-            <a:r>
               <a:rPr lang="en-GB" sz="2400" dirty="0">
                 <a:hlinkClick r:id="rId3"/>
               </a:rPr>
-              <a:t>://chrisjberry.github.io/datafluencyCB</a:t>
-            </a:r>
-            <a:r>
-              <a:rPr lang="en-GB" sz="2400" dirty="0" smtClean="0">
-                <a:hlinkClick r:id="rId3"/>
-              </a:rPr>
-              <a:t>/</a:t>
-            </a:r>
-            <a:endParaRPr lang="en-GB" sz="2400" dirty="0" smtClean="0"/>
-          </a:p>
-          <a:p>
-            <a:r>
-              <a:rPr lang="en-GB" sz="2400" dirty="0" smtClean="0"/>
+              <a:t>https://chrisjberry.github.io/datafluencyCB/</a:t>
+            </a:r>
+            <a:endParaRPr lang="en-GB" sz="2400" dirty="0"/>
+          </a:p>
+          <a:p>
+            <a:r>
+              <a:rPr lang="en-GB" sz="2400" dirty="0"/>
               <a:t>(or DLE)</a:t>
             </a:r>
-            <a:endParaRPr lang="en-GB" sz="2400" dirty="0"/>
           </a:p>
         </p:txBody>
       </p:sp>
@@ -14247,17 +14014,185 @@
           <a:lstStyle/>
           <a:p>
             <a:r>
-              <a:rPr lang="en-GB" dirty="0" smtClean="0"/>
+              <a:rPr lang="en-GB" dirty="0"/>
               <a:t>Finish for next session.</a:t>
             </a:r>
             <a:br>
-              <a:rPr lang="en-GB" dirty="0" smtClean="0"/>
+              <a:rPr lang="en-GB" dirty="0"/>
             </a:br>
             <a:r>
-              <a:rPr lang="en-GB" dirty="0" smtClean="0"/>
+              <a:rPr lang="en-GB" dirty="0"/>
               <a:t>Please ask me or Paul if you have any questions on the code or concepts.</a:t>
             </a:r>
-            <a:endParaRPr lang="en-GB" dirty="0"/>
+          </a:p>
+        </p:txBody>
+      </p:sp>
+      <p:sp>
+        <p:nvSpPr>
+          <p:cNvPr id="7" name="TextBox 6">
+            <a:extLst>
+              <a:ext uri="{FF2B5EF4-FFF2-40B4-BE49-F238E27FC236}">
+                <a16:creationId xmlns:a16="http://schemas.microsoft.com/office/drawing/2014/main" id="{4E8A2027-466C-46D9-BF27-D82D7BB09EA5}"/>
+              </a:ext>
+            </a:extLst>
+          </p:cNvPr>
+          <p:cNvSpPr txBox="1"/>
+          <p:nvPr/>
+        </p:nvSpPr>
+        <p:spPr>
+          <a:xfrm>
+            <a:off x="3937748" y="5876856"/>
+            <a:ext cx="4316503" cy="646331"/>
+          </a:xfrm>
+          <a:prstGeom prst="rect">
+            <a:avLst/>
+          </a:prstGeom>
+          <a:solidFill>
+            <a:schemeClr val="accent2">
+              <a:lumMod val="60000"/>
+              <a:lumOff val="40000"/>
+            </a:schemeClr>
+          </a:solidFill>
+        </p:spPr>
+        <p:txBody>
+          <a:bodyPr wrap="none" rtlCol="0">
+            <a:spAutoFit/>
+          </a:bodyPr>
+          <a:lstStyle>
+            <a:defPPr>
+              <a:defRPr lang="en-US"/>
+            </a:defPPr>
+            <a:lvl1pPr marL="0" algn="l" defTabSz="914400" rtl="0" eaLnBrk="1" latinLnBrk="0" hangingPunct="1">
+              <a:defRPr sz="1800" kern="1200">
+                <a:solidFill>
+                  <a:schemeClr val="tx1"/>
+                </a:solidFill>
+                <a:latin typeface="+mn-lt"/>
+                <a:ea typeface="+mn-ea"/>
+                <a:cs typeface="+mn-cs"/>
+              </a:defRPr>
+            </a:lvl1pPr>
+            <a:lvl2pPr marL="457200" algn="l" defTabSz="914400" rtl="0" eaLnBrk="1" latinLnBrk="0" hangingPunct="1">
+              <a:defRPr sz="1800" kern="1200">
+                <a:solidFill>
+                  <a:schemeClr val="tx1"/>
+                </a:solidFill>
+                <a:latin typeface="+mn-lt"/>
+                <a:ea typeface="+mn-ea"/>
+                <a:cs typeface="+mn-cs"/>
+              </a:defRPr>
+            </a:lvl2pPr>
+            <a:lvl3pPr marL="914400" algn="l" defTabSz="914400" rtl="0" eaLnBrk="1" latinLnBrk="0" hangingPunct="1">
+              <a:defRPr sz="1800" kern="1200">
+                <a:solidFill>
+                  <a:schemeClr val="tx1"/>
+                </a:solidFill>
+                <a:latin typeface="+mn-lt"/>
+                <a:ea typeface="+mn-ea"/>
+                <a:cs typeface="+mn-cs"/>
+              </a:defRPr>
+            </a:lvl3pPr>
+            <a:lvl4pPr marL="1371600" algn="l" defTabSz="914400" rtl="0" eaLnBrk="1" latinLnBrk="0" hangingPunct="1">
+              <a:defRPr sz="1800" kern="1200">
+                <a:solidFill>
+                  <a:schemeClr val="tx1"/>
+                </a:solidFill>
+                <a:latin typeface="+mn-lt"/>
+                <a:ea typeface="+mn-ea"/>
+                <a:cs typeface="+mn-cs"/>
+              </a:defRPr>
+            </a:lvl4pPr>
+            <a:lvl5pPr marL="1828800" algn="l" defTabSz="914400" rtl="0" eaLnBrk="1" latinLnBrk="0" hangingPunct="1">
+              <a:defRPr sz="1800" kern="1200">
+                <a:solidFill>
+                  <a:schemeClr val="tx1"/>
+                </a:solidFill>
+                <a:latin typeface="+mn-lt"/>
+                <a:ea typeface="+mn-ea"/>
+                <a:cs typeface="+mn-cs"/>
+              </a:defRPr>
+            </a:lvl5pPr>
+            <a:lvl6pPr marL="2286000" algn="l" defTabSz="914400" rtl="0" eaLnBrk="1" latinLnBrk="0" hangingPunct="1">
+              <a:defRPr sz="1800" kern="1200">
+                <a:solidFill>
+                  <a:schemeClr val="tx1"/>
+                </a:solidFill>
+                <a:latin typeface="+mn-lt"/>
+                <a:ea typeface="+mn-ea"/>
+                <a:cs typeface="+mn-cs"/>
+              </a:defRPr>
+            </a:lvl6pPr>
+            <a:lvl7pPr marL="2743200" algn="l" defTabSz="914400" rtl="0" eaLnBrk="1" latinLnBrk="0" hangingPunct="1">
+              <a:defRPr sz="1800" kern="1200">
+                <a:solidFill>
+                  <a:schemeClr val="tx1"/>
+                </a:solidFill>
+                <a:latin typeface="+mn-lt"/>
+                <a:ea typeface="+mn-ea"/>
+                <a:cs typeface="+mn-cs"/>
+              </a:defRPr>
+            </a:lvl7pPr>
+            <a:lvl8pPr marL="3200400" algn="l" defTabSz="914400" rtl="0" eaLnBrk="1" latinLnBrk="0" hangingPunct="1">
+              <a:defRPr sz="1800" kern="1200">
+                <a:solidFill>
+                  <a:schemeClr val="tx1"/>
+                </a:solidFill>
+                <a:latin typeface="+mn-lt"/>
+                <a:ea typeface="+mn-ea"/>
+                <a:cs typeface="+mn-cs"/>
+              </a:defRPr>
+            </a:lvl8pPr>
+            <a:lvl9pPr marL="3657600" algn="l" defTabSz="914400" rtl="0" eaLnBrk="1" latinLnBrk="0" hangingPunct="1">
+              <a:defRPr sz="1800" kern="1200">
+                <a:solidFill>
+                  <a:schemeClr val="tx1"/>
+                </a:solidFill>
+                <a:latin typeface="+mn-lt"/>
+                <a:ea typeface="+mn-ea"/>
+                <a:cs typeface="+mn-cs"/>
+              </a:defRPr>
+            </a:lvl9pPr>
+          </a:lstStyle>
+          <a:p>
+            <a:pPr algn="ctr"/>
+            <a:r>
+              <a:rPr lang="en-GB" dirty="0"/>
+              <a:t>Remember, there’s no session next Monday</a:t>
+            </a:r>
+          </a:p>
+          <a:p>
+            <a:pPr algn="ctr"/>
+            <a:r>
+              <a:rPr lang="en-GB" dirty="0"/>
+              <a:t>See you all on </a:t>
+            </a:r>
+            <a:r>
+              <a:rPr lang="en-GB" b="1" u="sng" dirty="0"/>
+              <a:t>Mon 20</a:t>
+            </a:r>
+            <a:r>
+              <a:rPr lang="en-GB" b="1" u="sng" baseline="30000" dirty="0"/>
+              <a:t>th</a:t>
+            </a:r>
+            <a:r>
+              <a:rPr lang="en-GB" b="1" u="sng" dirty="0"/>
+              <a:t> Feb at 9am</a:t>
+            </a:r>
+            <a:r>
+              <a:rPr lang="en-GB" dirty="0"/>
+              <a:t>!</a:t>
+            </a:r>
+            <a:r>
+              <a:rPr lang="en-GB" b="1" dirty="0"/>
+              <a:t> </a:t>
+            </a:r>
+            <a:r>
+              <a:rPr lang="en-GB" b="1" dirty="0">
+                <a:sym typeface="Wingdings" panose="05000000000000000000" pitchFamily="2" charset="2"/>
+              </a:rPr>
+              <a:t></a:t>
+            </a:r>
+            <a:endParaRPr lang="en-GB" b="1" dirty="0"/>
           </a:p>
         </p:txBody>
       </p:sp>
@@ -14494,10 +14429,9 @@
           <a:lstStyle/>
           <a:p>
             <a:r>
-              <a:rPr lang="en-GB" dirty="0" smtClean="0"/>
+              <a:rPr lang="en-GB" dirty="0"/>
               <a:t>Simple Regression (recap)</a:t>
             </a:r>
-            <a:endParaRPr lang="en-GB" dirty="0"/>
           </a:p>
         </p:txBody>
       </p:sp>
@@ -14583,7 +14517,7 @@
               <a:t>	e.g., use </a:t>
             </a:r>
             <a:r>
-              <a:rPr lang="en-GB" sz="2200" dirty="0" smtClean="0">
+              <a:rPr lang="en-GB" sz="2200" dirty="0">
                 <a:solidFill>
                   <a:schemeClr val="accent5">
                     <a:lumMod val="50000"/>
@@ -14597,7 +14531,7 @@
               <a:t>(X) to predict </a:t>
             </a:r>
             <a:r>
-              <a:rPr lang="en-GB" sz="2200" dirty="0" smtClean="0">
+              <a:rPr lang="en-GB" sz="2200" dirty="0">
                 <a:solidFill>
                   <a:schemeClr val="accent5">
                     <a:lumMod val="50000"/>
@@ -14607,12 +14541,8 @@
               <a:t>Anxiety</a:t>
             </a:r>
             <a:r>
-              <a:rPr lang="en-GB" sz="2200" dirty="0" smtClean="0"/>
-              <a:t> </a:t>
-            </a:r>
-            <a:r>
               <a:rPr lang="en-GB" sz="2200" dirty="0"/>
-              <a:t>(Y)</a:t>
+              <a:t> (Y)</a:t>
             </a:r>
           </a:p>
           <a:p>
@@ -14704,65 +14634,8 @@
                   </a:schemeClr>
                 </a:solidFill>
               </a:rPr>
-              <a:t>Predicted </a:t>
-            </a:r>
-            <a:r>
-              <a:rPr lang="en-GB" sz="2200" b="1" dirty="0" smtClean="0">
-                <a:solidFill>
-                  <a:schemeClr val="tx2">
-                    <a:lumMod val="75000"/>
-                  </a:schemeClr>
-                </a:solidFill>
-              </a:rPr>
-              <a:t>Anxiety </a:t>
-            </a:r>
-            <a:r>
-              <a:rPr lang="en-GB" sz="2200" b="1" dirty="0">
-                <a:solidFill>
-                  <a:schemeClr val="tx2">
-                    <a:lumMod val="75000"/>
-                  </a:schemeClr>
-                </a:solidFill>
-              </a:rPr>
-              <a:t>= </a:t>
-            </a:r>
-            <a:r>
-              <a:rPr lang="en-GB" sz="2200" b="1" dirty="0" smtClean="0">
-                <a:solidFill>
-                  <a:schemeClr val="tx2">
-                    <a:lumMod val="75000"/>
-                  </a:schemeClr>
-                </a:solidFill>
-              </a:rPr>
-              <a:t>5.59 </a:t>
-            </a:r>
-            <a:r>
-              <a:rPr lang="en-GB" sz="2200" b="1" dirty="0">
-                <a:solidFill>
-                  <a:schemeClr val="tx2">
-                    <a:lumMod val="75000"/>
-                  </a:schemeClr>
-                </a:solidFill>
-              </a:rPr>
-              <a:t>+ </a:t>
-            </a:r>
-            <a:r>
-              <a:rPr lang="en-GB" sz="2200" b="1" dirty="0" smtClean="0">
-                <a:solidFill>
-                  <a:schemeClr val="tx2">
-                    <a:lumMod val="75000"/>
-                  </a:schemeClr>
-                </a:solidFill>
-              </a:rPr>
-              <a:t>0.13(Screen Time)</a:t>
-            </a:r>
-            <a:endParaRPr lang="en-GB" sz="2200" b="1" dirty="0">
-              <a:solidFill>
-                <a:schemeClr val="tx2">
-                  <a:lumMod val="75000"/>
-                </a:schemeClr>
-              </a:solidFill>
-            </a:endParaRPr>
+              <a:t>Predicted Anxiety = 5.59 + 0.13(Screen Time)</a:t>
+            </a:r>
           </a:p>
           <a:p>
             <a:pPr lvl="1"/>
@@ -14949,13 +14822,8 @@
             </a:r>
             <a:r>
               <a:rPr lang="en-GB" dirty="0"/>
-              <a:t>, </a:t>
-            </a:r>
-            <a:r>
-              <a:rPr lang="en-GB" dirty="0" smtClean="0"/>
-              <a:t>Anxiety</a:t>
-            </a:r>
-            <a:endParaRPr lang="en-GB" dirty="0"/>
+              <a:t>, Anxiety</a:t>
+            </a:r>
           </a:p>
         </p:txBody>
       </p:sp>
@@ -14987,13 +14855,8 @@
             </a:r>
             <a:r>
               <a:rPr lang="en-GB" dirty="0"/>
-              <a:t>, </a:t>
-            </a:r>
-            <a:r>
-              <a:rPr lang="en-GB" dirty="0" smtClean="0"/>
-              <a:t>Screen Time</a:t>
-            </a:r>
-            <a:endParaRPr lang="en-GB" dirty="0"/>
+              <a:t>, Screen Time</a:t>
+            </a:r>
           </a:p>
         </p:txBody>
       </p:sp>
@@ -15645,10 +15508,9 @@
           <a:lstStyle/>
           <a:p>
             <a:r>
-              <a:rPr lang="en-GB" dirty="0" smtClean="0"/>
+              <a:rPr lang="en-GB" dirty="0"/>
               <a:t>Simple Regression (recap)</a:t>
             </a:r>
-            <a:endParaRPr lang="en-GB" dirty="0"/>
           </a:p>
         </p:txBody>
       </p:sp>
@@ -18666,13 +18528,6 @@
   <p:clrMapOvr>
     <a:masterClrMapping/>
   </p:clrMapOvr>
-  <p:timing>
-    <p:tnLst>
-      <p:par>
-        <p:cTn id="1" dur="indefinite" restart="never" nodeType="tmRoot"/>
-      </p:par>
-    </p:tnLst>
-  </p:timing>
 </p:sld>
 </file>
 
@@ -18714,10 +18569,9 @@
           <a:lstStyle/>
           <a:p>
             <a:r>
-              <a:rPr lang="en-GB" dirty="0" smtClean="0"/>
+              <a:rPr lang="en-GB" dirty="0"/>
               <a:t>Multiple Regression (recap)</a:t>
             </a:r>
-            <a:endParaRPr lang="en-GB" dirty="0"/>
           </a:p>
         </p:txBody>
       </p:sp>
@@ -18811,11 +18665,11 @@
           <a:p>
             <a:pPr lvl="1"/>
             <a:r>
-              <a:rPr lang="en-GB" sz="2200" dirty="0" smtClean="0"/>
+              <a:rPr lang="en-GB" sz="2200" dirty="0"/>
               <a:t>E.g., use </a:t>
             </a:r>
             <a:r>
-              <a:rPr lang="en-GB" sz="2200" b="1" dirty="0" smtClean="0">
+              <a:rPr lang="en-GB" sz="2200" b="1" dirty="0">
                 <a:solidFill>
                   <a:schemeClr val="tx2">
                     <a:lumMod val="75000"/>
@@ -18825,7 +18679,7 @@
               <a:t>worry</a:t>
             </a:r>
             <a:r>
-              <a:rPr lang="en-GB" sz="2200" dirty="0" smtClean="0"/>
+              <a:rPr lang="en-GB" sz="2200" dirty="0"/>
               <a:t> and </a:t>
             </a:r>
             <a:r>
@@ -18838,19 +18692,15 @@
               </a:rPr>
               <a:t>mindfulness</a:t>
             </a:r>
-            <a:r>
-              <a:rPr lang="en-GB" sz="2200" b="1" dirty="0" smtClean="0"/>
-              <a:t/>
-            </a:r>
             <a:br>
-              <a:rPr lang="en-GB" sz="2200" b="1" dirty="0" smtClean="0"/>
+              <a:rPr lang="en-GB" sz="2200" b="1" dirty="0"/>
             </a:br>
             <a:r>
-              <a:rPr lang="en-GB" sz="2200" dirty="0" smtClean="0"/>
+              <a:rPr lang="en-GB" sz="2200" dirty="0"/>
               <a:t>to predict </a:t>
             </a:r>
             <a:r>
-              <a:rPr lang="en-GB" sz="2200" b="1" dirty="0" smtClean="0">
+              <a:rPr lang="en-GB" sz="2200" b="1" dirty="0">
                 <a:solidFill>
                   <a:schemeClr val="tx2">
                     <a:lumMod val="75000"/>
@@ -18874,12 +18724,8 @@
           </a:p>
           <a:p>
             <a:r>
-              <a:rPr lang="en-GB" sz="2200" dirty="0" smtClean="0"/>
-              <a:t>Multiple </a:t>
-            </a:r>
-            <a:r>
               <a:rPr lang="en-GB" sz="2200" dirty="0"/>
-              <a:t>regression equation:</a:t>
+              <a:t>Multiple regression equation:</a:t>
             </a:r>
           </a:p>
           <a:p>
@@ -18887,12 +18733,8 @@
               <a:buNone/>
             </a:pPr>
             <a:r>
-              <a:rPr lang="en-GB" sz="3000" dirty="0" smtClean="0"/>
-              <a:t>Ŷ </a:t>
-            </a:r>
-            <a:r>
               <a:rPr lang="en-GB" sz="3000" dirty="0"/>
-              <a:t>= a + b</a:t>
+              <a:t>Ŷ = a + b</a:t>
             </a:r>
             <a:r>
               <a:rPr lang="en-GB" sz="3500" baseline="-25000" dirty="0"/>
@@ -18908,22 +18750,18 @@
             </a:r>
             <a:r>
               <a:rPr lang="en-GB" sz="3000" dirty="0"/>
-              <a:t> + </a:t>
-            </a:r>
-            <a:r>
-              <a:rPr lang="en-GB" sz="3000" dirty="0" smtClean="0"/>
-              <a:t>b</a:t>
-            </a:r>
-            <a:r>
-              <a:rPr lang="en-GB" sz="3500" baseline="-25000" dirty="0" smtClean="0"/>
+              <a:t> + b</a:t>
+            </a:r>
+            <a:r>
+              <a:rPr lang="en-GB" sz="3500" baseline="-25000" dirty="0"/>
               <a:t>2</a:t>
             </a:r>
             <a:r>
-              <a:rPr lang="en-GB" sz="3000" dirty="0" smtClean="0"/>
+              <a:rPr lang="en-GB" sz="3000" dirty="0"/>
               <a:t>X</a:t>
             </a:r>
             <a:r>
-              <a:rPr lang="en-GB" sz="3500" baseline="-25000" dirty="0" smtClean="0"/>
+              <a:rPr lang="en-GB" sz="3500" baseline="-25000" dirty="0"/>
               <a:t>2</a:t>
             </a:r>
           </a:p>
@@ -18932,15 +18770,15 @@
               <a:buNone/>
             </a:pPr>
             <a:r>
-              <a:rPr lang="en-GB" sz="2200" b="1" dirty="0" smtClean="0"/>
+              <a:rPr lang="en-GB" sz="2200" b="1" dirty="0"/>
               <a:t>Ŷ</a:t>
             </a:r>
             <a:r>
-              <a:rPr lang="en-GB" sz="2200" dirty="0" smtClean="0"/>
+              <a:rPr lang="en-GB" sz="2200" dirty="0"/>
               <a:t>    the predicted value of the outcome variable Y (e.g., </a:t>
             </a:r>
             <a:r>
-              <a:rPr lang="en-GB" sz="2200" dirty="0" smtClean="0">
+              <a:rPr lang="en-GB" sz="2200" dirty="0">
                 <a:solidFill>
                   <a:schemeClr val="accent5">
                     <a:lumMod val="50000"/>
@@ -18950,7 +18788,7 @@
               <a:t>wellbeing</a:t>
             </a:r>
             <a:r>
-              <a:rPr lang="en-GB" sz="2200" dirty="0" smtClean="0"/>
+              <a:rPr lang="en-GB" sz="2200" dirty="0"/>
               <a:t>)</a:t>
             </a:r>
           </a:p>
@@ -18959,16 +18797,12 @@
               <a:buNone/>
             </a:pPr>
             <a:r>
-              <a:rPr lang="en-GB" sz="2200" b="1" dirty="0" smtClean="0"/>
+              <a:rPr lang="en-GB" sz="2200" b="1" dirty="0"/>
               <a:t>a</a:t>
             </a:r>
             <a:r>
-              <a:rPr lang="en-GB" sz="2200" dirty="0" smtClean="0"/>
-              <a:t>    </a:t>
-            </a:r>
-            <a:r>
               <a:rPr lang="en-GB" sz="2200" dirty="0"/>
-              <a:t>the intercept (constant)</a:t>
+              <a:t>    the intercept (constant)</a:t>
             </a:r>
           </a:p>
           <a:p>
@@ -18998,15 +18832,7 @@
             </a:r>
             <a:r>
               <a:rPr lang="en-GB" sz="2200" dirty="0"/>
-              <a:t>  the coefficient </a:t>
-            </a:r>
-            <a:r>
-              <a:rPr lang="en-GB" sz="2200" dirty="0" smtClean="0"/>
-              <a:t>for </a:t>
-            </a:r>
-            <a:r>
-              <a:rPr lang="en-GB" sz="2200" dirty="0"/>
-              <a:t>predictor X</a:t>
+              <a:t>  the coefficient for predictor X</a:t>
             </a:r>
             <a:r>
               <a:rPr lang="en-GB" sz="2200" baseline="-25000" dirty="0"/>
@@ -19046,15 +18872,7 @@
             </a:r>
             <a:r>
               <a:rPr lang="en-GB" sz="2200" dirty="0"/>
-              <a:t>  the coefficient </a:t>
-            </a:r>
-            <a:r>
-              <a:rPr lang="en-GB" sz="2200" dirty="0" smtClean="0"/>
-              <a:t>for </a:t>
-            </a:r>
-            <a:r>
-              <a:rPr lang="en-GB" sz="2200" dirty="0"/>
-              <a:t>predictor X</a:t>
+              <a:t>  the coefficient for predictor X</a:t>
             </a:r>
             <a:r>
               <a:rPr lang="en-GB" sz="2200" baseline="-25000" dirty="0"/>
@@ -19065,7 +18883,7 @@
               <a:t> (e.g., </a:t>
             </a:r>
             <a:r>
-              <a:rPr lang="en-GB" sz="2200" dirty="0" smtClean="0">
+              <a:rPr lang="en-GB" sz="2200" dirty="0">
                 <a:solidFill>
                   <a:schemeClr val="accent5">
                     <a:lumMod val="50000"/>
@@ -19075,7 +18893,7 @@
               <a:t>mindfulness</a:t>
             </a:r>
             <a:r>
-              <a:rPr lang="en-GB" sz="2200" dirty="0" smtClean="0"/>
+              <a:rPr lang="en-GB" sz="2200" dirty="0"/>
               <a:t>)</a:t>
             </a:r>
           </a:p>
@@ -19105,45 +18923,8 @@
                   </a:schemeClr>
                 </a:solidFill>
               </a:rPr>
-              <a:t>Predicted </a:t>
-            </a:r>
-            <a:r>
-              <a:rPr lang="en-GB" sz="2200" b="1" dirty="0" smtClean="0">
-                <a:solidFill>
-                  <a:schemeClr val="tx2">
-                    <a:lumMod val="75000"/>
-                  </a:schemeClr>
-                </a:solidFill>
-              </a:rPr>
-              <a:t>wellbeing </a:t>
-            </a:r>
-            <a:r>
-              <a:rPr lang="en-GB" sz="2200" b="1" dirty="0">
-                <a:solidFill>
-                  <a:schemeClr val="tx2">
-                    <a:lumMod val="75000"/>
-                  </a:schemeClr>
-                </a:solidFill>
-              </a:rPr>
-              <a:t>= </a:t>
-            </a:r>
-            <a:r>
-              <a:rPr lang="en-GB" sz="2200" b="1" dirty="0" smtClean="0">
-                <a:solidFill>
-                  <a:schemeClr val="tx2">
-                    <a:lumMod val="75000"/>
-                  </a:schemeClr>
-                </a:solidFill>
-              </a:rPr>
-              <a:t>4.52 – 0.25(worry) + 0.31(mindfulness)</a:t>
-            </a:r>
-            <a:endParaRPr lang="en-GB" sz="2200" b="1" dirty="0">
-              <a:solidFill>
-                <a:schemeClr val="tx2">
-                  <a:lumMod val="75000"/>
-                </a:schemeClr>
-              </a:solidFill>
-            </a:endParaRPr>
+              <a:t>Predicted wellbeing = 4.52 – 0.25(worry) + 0.31(mindfulness)</a:t>
+            </a:r>
           </a:p>
           <a:p>
             <a:pPr marL="0" indent="0">
@@ -19475,7 +19256,7 @@
               <a:t>, </a:t>
             </a:r>
             <a:r>
-              <a:rPr lang="en-GB" sz="1400" dirty="0" smtClean="0">
+              <a:rPr lang="en-GB" sz="1400" dirty="0">
                 <a:solidFill>
                   <a:schemeClr val="tx2">
                     <a:lumMod val="75000"/>
@@ -19519,7 +19300,7 @@
               <a:t>, </a:t>
             </a:r>
             <a:r>
-              <a:rPr lang="en-GB" dirty="0" smtClean="0">
+              <a:rPr lang="en-GB" dirty="0">
                 <a:solidFill>
                   <a:schemeClr val="tx2">
                     <a:lumMod val="50000"/>
@@ -19528,13 +19309,6 @@
               </a:rPr>
               <a:t>wellbeing</a:t>
             </a:r>
-            <a:endParaRPr lang="en-GB" dirty="0">
-              <a:solidFill>
-                <a:schemeClr val="tx2">
-                  <a:lumMod val="50000"/>
-                </a:schemeClr>
-              </a:solidFill>
-            </a:endParaRPr>
           </a:p>
         </p:txBody>
       </p:sp>
@@ -20553,10 +20327,9 @@
           <a:lstStyle/>
           <a:p>
             <a:r>
-              <a:rPr lang="en-GB" dirty="0" smtClean="0"/>
+              <a:rPr lang="en-GB" dirty="0"/>
               <a:t>Multiple Regression</a:t>
             </a:r>
-            <a:endParaRPr lang="en-GB" dirty="0"/>
           </a:p>
         </p:txBody>
       </p:sp>
@@ -20583,11 +20356,11 @@
           <a:lstStyle/>
           <a:p>
             <a:r>
-              <a:rPr lang="en-GB" sz="2200" dirty="0" smtClean="0"/>
+              <a:rPr lang="en-GB" sz="2200" dirty="0"/>
               <a:t>So far, we’ve looked at cases where the predictors are either </a:t>
             </a:r>
             <a:r>
-              <a:rPr lang="en-GB" sz="2200" b="1" dirty="0" smtClean="0">
+              <a:rPr lang="en-GB" sz="2200" b="1" dirty="0">
                 <a:solidFill>
                   <a:srgbClr val="10253F"/>
                 </a:solidFill>
@@ -20595,11 +20368,11 @@
               <a:t>all continuous </a:t>
             </a:r>
             <a:r>
-              <a:rPr lang="en-GB" sz="2200" dirty="0" smtClean="0"/>
+              <a:rPr lang="en-GB" sz="2200" dirty="0"/>
               <a:t>(Sessions 1 and 2) or </a:t>
             </a:r>
             <a:r>
-              <a:rPr lang="en-GB" sz="2200" b="1" dirty="0" smtClean="0">
+              <a:rPr lang="en-GB" sz="2200" b="1" dirty="0">
                 <a:solidFill>
                   <a:srgbClr val="10253F"/>
                 </a:solidFill>
@@ -20607,18 +20380,17 @@
               <a:t>all categorical </a:t>
             </a:r>
             <a:r>
-              <a:rPr lang="en-GB" sz="2200" dirty="0" smtClean="0"/>
+              <a:rPr lang="en-GB" sz="2200" dirty="0"/>
               <a:t>(Session 3). </a:t>
             </a:r>
-            <a:endParaRPr lang="en-GB" sz="2200" dirty="0"/>
-          </a:p>
-          <a:p>
-            <a:r>
-              <a:rPr lang="en-GB" sz="2200" dirty="0" smtClean="0"/>
+          </a:p>
+          <a:p>
+            <a:r>
+              <a:rPr lang="en-GB" sz="2200" dirty="0"/>
               <a:t>A </a:t>
             </a:r>
             <a:r>
-              <a:rPr lang="en-GB" sz="2200" b="1" dirty="0" smtClean="0">
+              <a:rPr lang="en-GB" sz="2200" b="1" dirty="0">
                 <a:solidFill>
                   <a:srgbClr val="10253F"/>
                 </a:solidFill>
@@ -20626,20 +20398,20 @@
               <a:t>mixture</a:t>
             </a:r>
             <a:r>
-              <a:rPr lang="en-GB" sz="2200" dirty="0" smtClean="0"/>
+              <a:rPr lang="en-GB" sz="2200" dirty="0"/>
               <a:t> of continuous and categorical predictors can be included in regression.</a:t>
             </a:r>
           </a:p>
           <a:p>
             <a:r>
-              <a:rPr lang="en-GB" sz="2200" b="1" dirty="0" smtClean="0"/>
+              <a:rPr lang="en-GB" sz="2200" b="1" dirty="0"/>
               <a:t>Today:</a:t>
             </a:r>
           </a:p>
           <a:p>
             <a:pPr lvl="1"/>
             <a:r>
-              <a:rPr lang="en-GB" sz="2200" dirty="0" smtClean="0">
+              <a:rPr lang="en-GB" sz="2200" dirty="0">
                 <a:solidFill>
                   <a:schemeClr val="tx2"/>
                 </a:solidFill>
@@ -20650,7 +20422,7 @@
           <a:p>
             <a:pPr lvl="1"/>
             <a:r>
-              <a:rPr lang="en-GB" sz="2200" dirty="0" smtClean="0">
+              <a:rPr lang="en-GB" sz="2200" dirty="0">
                 <a:solidFill>
                   <a:schemeClr val="tx2"/>
                 </a:solidFill>
@@ -20661,10 +20433,10 @@
           <a:p>
             <a:pPr lvl="1"/>
             <a:r>
-              <a:rPr lang="en-GB" sz="2200" dirty="0" smtClean="0"/>
+              <a:rPr lang="en-GB" sz="2200" dirty="0"/>
               <a:t>(There’s still one continuous outcome variable)</a:t>
             </a:r>
-            <a:endParaRPr lang="en-GB" dirty="0" smtClean="0"/>
+            <a:endParaRPr lang="en-GB" dirty="0"/>
           </a:p>
         </p:txBody>
       </p:sp>
@@ -21288,7 +21060,7 @@
               <a:buNone/>
             </a:pPr>
             <a:r>
-              <a:rPr lang="en-GB" dirty="0" smtClean="0">
+              <a:rPr lang="en-GB" dirty="0">
                 <a:solidFill>
                   <a:schemeClr val="tx2"/>
                 </a:solidFill>
@@ -21296,7 +21068,7 @@
               <a:t>Participants were told a researcher was either personally </a:t>
             </a:r>
             <a:r>
-              <a:rPr lang="en-GB" b="1" dirty="0" smtClean="0">
+              <a:rPr lang="en-GB" b="1" dirty="0">
                 <a:solidFill>
                   <a:schemeClr val="tx2"/>
                 </a:solidFill>
@@ -21304,7 +21076,7 @@
               <a:t>affected</a:t>
             </a:r>
             <a:r>
-              <a:rPr lang="en-GB" dirty="0" smtClean="0">
+              <a:rPr lang="en-GB" dirty="0">
                 <a:solidFill>
                   <a:schemeClr val="tx2"/>
                 </a:solidFill>
@@ -21312,7 +21084,7 @@
               <a:t> or </a:t>
             </a:r>
             <a:r>
-              <a:rPr lang="en-GB" b="1" dirty="0" smtClean="0">
+              <a:rPr lang="en-GB" b="1" dirty="0">
                 <a:solidFill>
                   <a:schemeClr val="tx2"/>
                 </a:solidFill>
@@ -21320,7 +21092,7 @@
               <a:t>not affected </a:t>
             </a:r>
             <a:r>
-              <a:rPr lang="en-GB" dirty="0" smtClean="0">
+              <a:rPr lang="en-GB" dirty="0">
                 <a:solidFill>
                   <a:schemeClr val="tx2"/>
                 </a:solidFill>
@@ -21328,7 +21100,7 @@
               <a:t>by the topic of their research, then rated the researcher in terms of their </a:t>
             </a:r>
             <a:r>
-              <a:rPr lang="en-GB" b="1" dirty="0" smtClean="0">
+              <a:rPr lang="en-GB" b="1" dirty="0">
                 <a:solidFill>
                   <a:schemeClr val="tx2"/>
                 </a:solidFill>
@@ -21336,7 +21108,7 @@
               <a:t>trustworthiness</a:t>
             </a:r>
             <a:r>
-              <a:rPr lang="en-GB" dirty="0" smtClean="0">
+              <a:rPr lang="en-GB" dirty="0">
                 <a:solidFill>
                   <a:schemeClr val="tx2"/>
                 </a:solidFill>
@@ -21344,7 +21116,7 @@
               <a:t>. Participants also indicated how positive their </a:t>
             </a:r>
             <a:r>
-              <a:rPr lang="en-GB" b="1" dirty="0" smtClean="0">
+              <a:rPr lang="en-GB" b="1" dirty="0">
                 <a:solidFill>
                   <a:schemeClr val="tx2"/>
                 </a:solidFill>
@@ -21352,14 +21124,14 @@
               <a:t>attitude</a:t>
             </a:r>
             <a:r>
-              <a:rPr lang="en-GB" dirty="0" smtClean="0">
+              <a:rPr lang="en-GB" dirty="0">
                 <a:solidFill>
                   <a:schemeClr val="tx2"/>
                 </a:solidFill>
               </a:rPr>
               <a:t> towards the research topic was. </a:t>
             </a:r>
-            <a:endParaRPr lang="en-GB" dirty="0" smtClean="0"/>
+            <a:endParaRPr lang="en-GB" dirty="0"/>
           </a:p>
           <a:p>
             <a:pPr marL="0" indent="0">
@@ -21385,7 +21157,7 @@
               <a:buFont typeface="Arial" pitchFamily="34" charset="0"/>
               <a:buNone/>
             </a:pPr>
-            <a:endParaRPr lang="en-GB" dirty="0" smtClean="0"/>
+            <a:endParaRPr lang="en-GB" dirty="0"/>
           </a:p>
           <a:p>
             <a:pPr marL="0" indent="0">
@@ -21631,7 +21403,7 @@
               <a:buNone/>
             </a:pPr>
             <a:r>
-              <a:rPr lang="en-GB" b="1" dirty="0" err="1" smtClean="0">
+              <a:rPr lang="en-GB" b="1" dirty="0" err="1">
                 <a:solidFill>
                   <a:schemeClr val="tx2"/>
                 </a:solidFill>
@@ -21639,7 +21411,7 @@
               <a:t>Altenmuller</a:t>
             </a:r>
             <a:r>
-              <a:rPr lang="en-GB" b="1" dirty="0" smtClean="0">
+              <a:rPr lang="en-GB" b="1" dirty="0">
                 <a:solidFill>
                   <a:schemeClr val="tx2"/>
                 </a:solidFill>
@@ -21653,7 +21425,7 @@
               <a:buNone/>
             </a:pPr>
             <a:r>
-              <a:rPr lang="en-GB" dirty="0" smtClean="0"/>
+              <a:rPr lang="en-GB" dirty="0"/>
               <a:t>Used multiple regression with both continuous and categorical variables to investigate factors influencing laypersons’ perceptions of trustworthiness in science.</a:t>
             </a:r>
           </a:p>
@@ -21669,7 +21441,7 @@
               <a:buFont typeface="Arial" pitchFamily="34" charset="0"/>
               <a:buNone/>
             </a:pPr>
-            <a:endParaRPr lang="en-GB" dirty="0" smtClean="0"/>
+            <a:endParaRPr lang="en-GB" dirty="0"/>
           </a:p>
           <a:p>
             <a:pPr marL="0" indent="0">
@@ -21746,17 +21518,27 @@
                   </a:schemeClr>
                 </a:solidFill>
               </a:rPr>
-              <a:t> M. (2021</a:t>
-            </a:r>
-            <a:r>
-              <a:rPr lang="en-GB" sz="1600" dirty="0" smtClean="0">
+              <a:t> M. (2021). When research is me-search: How researchers’ motivation to pursue a topic affects laypeople’s trust in science. </a:t>
+            </a:r>
+            <a:r>
+              <a:rPr lang="en-GB" sz="1600" i="1" dirty="0" err="1">
                 <a:solidFill>
                   <a:schemeClr val="bg1">
                     <a:lumMod val="50000"/>
                   </a:schemeClr>
                 </a:solidFill>
               </a:rPr>
-              <a:t>). </a:t>
+              <a:t>PLoS</a:t>
+            </a:r>
+            <a:r>
+              <a:rPr lang="en-GB" sz="1600" i="1" dirty="0">
+                <a:solidFill>
+                  <a:schemeClr val="bg1">
+                    <a:lumMod val="50000"/>
+                  </a:schemeClr>
+                </a:solidFill>
+              </a:rPr>
+              <a:t> ONE</a:t>
             </a:r>
             <a:r>
               <a:rPr lang="en-GB" sz="1600" dirty="0">
@@ -21766,40 +21548,10 @@
                   </a:schemeClr>
                 </a:solidFill>
               </a:rPr>
-              <a:t>When research is me-search: How researchers’ motivation to pursue a topic affects laypeople’s trust in science. </a:t>
-            </a:r>
-            <a:r>
-              <a:rPr lang="en-GB" sz="1600" i="1" dirty="0" err="1" smtClean="0">
-                <a:solidFill>
-                  <a:schemeClr val="bg1">
-                    <a:lumMod val="50000"/>
-                  </a:schemeClr>
-                </a:solidFill>
-              </a:rPr>
-              <a:t>PLoS</a:t>
-            </a:r>
-            <a:r>
-              <a:rPr lang="en-GB" sz="1600" i="1" dirty="0" smtClean="0">
-                <a:solidFill>
-                  <a:schemeClr val="bg1">
-                    <a:lumMod val="50000"/>
-                  </a:schemeClr>
-                </a:solidFill>
-              </a:rPr>
-              <a:t> ONE</a:t>
-            </a:r>
-            <a:r>
-              <a:rPr lang="en-GB" sz="1600" dirty="0" smtClean="0">
-                <a:solidFill>
-                  <a:schemeClr val="bg1">
-                    <a:lumMod val="50000"/>
-                  </a:schemeClr>
-                </a:solidFill>
-              </a:rPr>
               <a:t>, </a:t>
             </a:r>
             <a:r>
-              <a:rPr lang="en-GB" sz="1600" i="1" dirty="0" smtClean="0">
+              <a:rPr lang="en-GB" sz="1600" i="1" dirty="0">
                 <a:solidFill>
                   <a:schemeClr val="bg1">
                     <a:lumMod val="50000"/>
@@ -21809,16 +21561,6 @@
               <a:t>16</a:t>
             </a:r>
             <a:r>
-              <a:rPr lang="en-GB" sz="1600" dirty="0" smtClean="0">
-                <a:solidFill>
-                  <a:schemeClr val="bg1">
-                    <a:lumMod val="50000"/>
-                  </a:schemeClr>
-                </a:solidFill>
-              </a:rPr>
-              <a:t>(7</a:t>
-            </a:r>
-            <a:r>
               <a:rPr lang="en-GB" sz="1600" dirty="0">
                 <a:solidFill>
                   <a:schemeClr val="bg1">
@@ -21826,7 +21568,7 @@
                   </a:schemeClr>
                 </a:solidFill>
               </a:rPr>
-              <a:t>): e0253911. https://doi.org/10.1371/journal.pone.0253911</a:t>
+              <a:t>(7): e0253911. https://doi.org/10.1371/journal.pone.0253911</a:t>
             </a:r>
           </a:p>
         </p:txBody>
@@ -22173,7 +21915,7 @@
               <a:buNone/>
             </a:pPr>
             <a:r>
-              <a:rPr lang="en-GB" b="1" dirty="0" err="1" smtClean="0">
+              <a:rPr lang="en-GB" b="1" dirty="0" err="1">
                 <a:solidFill>
                   <a:schemeClr val="tx2"/>
                 </a:solidFill>
@@ -22181,7 +21923,7 @@
               <a:t>Altenmuller</a:t>
             </a:r>
             <a:r>
-              <a:rPr lang="en-GB" b="1" dirty="0" smtClean="0">
+              <a:rPr lang="en-GB" b="1" dirty="0">
                 <a:solidFill>
                   <a:schemeClr val="tx2"/>
                 </a:solidFill>
@@ -22195,7 +21937,7 @@
               <a:buNone/>
             </a:pPr>
             <a:r>
-              <a:rPr lang="en-GB" b="1" dirty="0" smtClean="0">
+              <a:rPr lang="en-GB" b="1" dirty="0">
                 <a:solidFill>
                   <a:schemeClr val="tx2"/>
                 </a:solidFill>
@@ -22208,17 +21950,17 @@
               <a:buNone/>
             </a:pPr>
             <a:r>
-              <a:rPr lang="en-GB" b="1" dirty="0" smtClean="0"/>
+              <a:rPr lang="en-GB" b="1" dirty="0"/>
               <a:t>Outcome variable</a:t>
             </a:r>
             <a:r>
-              <a:rPr lang="en-GB" dirty="0" smtClean="0"/>
+              <a:rPr lang="en-GB" dirty="0"/>
               <a:t>: </a:t>
             </a:r>
           </a:p>
           <a:p>
             <a:r>
-              <a:rPr lang="en-GB" dirty="0" smtClean="0">
+              <a:rPr lang="en-GB" dirty="0">
                 <a:solidFill>
                   <a:schemeClr val="tx2"/>
                 </a:solidFill>
@@ -22230,20 +21972,20 @@
             <a:pPr marL="0" indent="0">
               <a:buNone/>
             </a:pPr>
-            <a:endParaRPr lang="en-GB" dirty="0" smtClean="0"/>
+            <a:endParaRPr lang="en-GB" dirty="0"/>
           </a:p>
           <a:p>
             <a:pPr marL="0" indent="0">
               <a:buNone/>
             </a:pPr>
             <a:r>
-              <a:rPr lang="en-GB" b="1" dirty="0" smtClean="0"/>
+              <a:rPr lang="en-GB" b="1" dirty="0"/>
               <a:t>Predictor variables:</a:t>
             </a:r>
           </a:p>
           <a:p>
             <a:r>
-              <a:rPr lang="en-GB" dirty="0" smtClean="0">
+              <a:rPr lang="en-GB" dirty="0">
                 <a:solidFill>
                   <a:schemeClr val="tx2"/>
                 </a:solidFill>
@@ -22251,13 +21993,13 @@
               <a:t>Attitude</a:t>
             </a:r>
             <a:r>
-              <a:rPr lang="en-GB" dirty="0" smtClean="0"/>
+              <a:rPr lang="en-GB" dirty="0"/>
               <a:t> (continuous)</a:t>
             </a:r>
           </a:p>
           <a:p>
             <a:r>
-              <a:rPr lang="en-GB" dirty="0" smtClean="0">
+              <a:rPr lang="en-GB" dirty="0">
                 <a:solidFill>
                   <a:schemeClr val="tx2"/>
                 </a:solidFill>
@@ -22265,14 +22007,14 @@
               <a:t>Group</a:t>
             </a:r>
             <a:r>
-              <a:rPr lang="en-GB" dirty="0" smtClean="0"/>
+              <a:rPr lang="en-GB" dirty="0"/>
               <a:t> (categorical)</a:t>
             </a:r>
           </a:p>
           <a:p>
             <a:pPr lvl="1"/>
             <a:r>
-              <a:rPr lang="en-GB" dirty="0" smtClean="0"/>
+              <a:rPr lang="en-GB" dirty="0"/>
               <a:t>affected</a:t>
             </a:r>
           </a:p>
@@ -22280,19 +22022,8 @@
             <a:pPr lvl="1"/>
             <a:r>
               <a:rPr lang="en-GB" dirty="0"/>
-              <a:t>n</a:t>
-            </a:r>
-            <a:r>
-              <a:rPr lang="en-GB" dirty="0" smtClean="0"/>
-              <a:t>ot affected</a:t>
-            </a:r>
-          </a:p>
-          <a:p>
-            <a:pPr marL="0" indent="0">
-              <a:buFont typeface="Arial" pitchFamily="34" charset="0"/>
-              <a:buNone/>
-            </a:pPr>
-            <a:endParaRPr lang="en-GB" dirty="0" smtClean="0"/>
+              <a:t>not affected</a:t>
+            </a:r>
           </a:p>
           <a:p>
             <a:pPr marL="0" indent="0">
@@ -22306,7 +22037,14 @@
               <a:buFont typeface="Arial" pitchFamily="34" charset="0"/>
               <a:buNone/>
             </a:pPr>
-            <a:endParaRPr lang="en-GB" dirty="0" smtClean="0"/>
+            <a:endParaRPr lang="en-GB" dirty="0"/>
+          </a:p>
+          <a:p>
+            <a:pPr marL="0" indent="0">
+              <a:buFont typeface="Arial" pitchFamily="34" charset="0"/>
+              <a:buNone/>
+            </a:pPr>
+            <a:endParaRPr lang="en-GB" dirty="0"/>
           </a:p>
           <a:p>
             <a:pPr marL="0" indent="0">
@@ -22399,31 +22137,31 @@
           <a:lstStyle/>
           <a:p>
             <a:r>
-              <a:rPr lang="en-GB" dirty="0" smtClean="0"/>
+              <a:rPr lang="en-GB" dirty="0"/>
               <a:t>The relationship between </a:t>
             </a:r>
             <a:r>
-              <a:rPr lang="en-GB" b="1" dirty="0" smtClean="0"/>
+              <a:rPr lang="en-GB" b="1" dirty="0"/>
               <a:t>trustworthiness</a:t>
             </a:r>
             <a:r>
-              <a:rPr lang="en-GB" dirty="0" smtClean="0"/>
+              <a:rPr lang="en-GB" dirty="0"/>
               <a:t> and </a:t>
             </a:r>
             <a:r>
-              <a:rPr lang="en-GB" b="1" dirty="0" smtClean="0"/>
+              <a:rPr lang="en-GB" b="1" dirty="0"/>
               <a:t>attitude</a:t>
             </a:r>
             <a:r>
-              <a:rPr lang="en-GB" dirty="0" smtClean="0"/>
+              <a:rPr lang="en-GB" dirty="0"/>
               <a:t> appears to be </a:t>
             </a:r>
             <a:r>
-              <a:rPr lang="en-GB" i="1" dirty="0" smtClean="0"/>
+              <a:rPr lang="en-GB" i="1" dirty="0"/>
               <a:t>different</a:t>
             </a:r>
             <a:r>
-              <a:rPr lang="en-GB" dirty="0" smtClean="0"/>
+              <a:rPr lang="en-GB" dirty="0"/>
               <a:t> in each </a:t>
             </a:r>
             <a:r>
@@ -22431,25 +22169,24 @@
               <a:t>group</a:t>
             </a:r>
             <a:r>
-              <a:rPr lang="en-GB" dirty="0" smtClean="0"/>
+              <a:rPr lang="en-GB" dirty="0"/>
               <a:t> </a:t>
             </a:r>
             <a:br>
-              <a:rPr lang="en-GB" dirty="0" smtClean="0"/>
+              <a:rPr lang="en-GB" dirty="0"/>
             </a:br>
             <a:r>
-              <a:rPr lang="en-GB" dirty="0" smtClean="0"/>
+              <a:rPr lang="en-GB" dirty="0"/>
               <a:t>(indicating an </a:t>
             </a:r>
             <a:r>
-              <a:rPr lang="en-GB" b="1" i="1" dirty="0" smtClean="0"/>
+              <a:rPr lang="en-GB" b="1" i="1" dirty="0"/>
               <a:t>interaction</a:t>
             </a:r>
             <a:r>
-              <a:rPr lang="en-GB" dirty="0" smtClean="0"/>
+              <a:rPr lang="en-GB" dirty="0"/>
               <a:t> between attitude and group)</a:t>
             </a:r>
-            <a:endParaRPr lang="en-GB" dirty="0"/>
           </a:p>
         </p:txBody>
       </p:sp>
@@ -22479,10 +22216,9 @@
           <a:p>
             <a:pPr algn="ctr"/>
             <a:r>
-              <a:rPr lang="en-GB" dirty="0" smtClean="0"/>
+              <a:rPr lang="en-GB" dirty="0"/>
               <a:t>Trustworthiness</a:t>
             </a:r>
-            <a:endParaRPr lang="en-GB" dirty="0"/>
           </a:p>
         </p:txBody>
       </p:sp>
@@ -22512,10 +22248,9 @@
           <a:p>
             <a:pPr algn="ctr"/>
             <a:r>
-              <a:rPr lang="en-GB" dirty="0" smtClean="0"/>
+              <a:rPr lang="en-GB" dirty="0"/>
               <a:t>       Attitude</a:t>
             </a:r>
-            <a:endParaRPr lang="en-GB" dirty="0"/>
           </a:p>
         </p:txBody>
       </p:sp>
@@ -22545,10 +22280,9 @@
           <a:p>
             <a:pPr algn="ctr"/>
             <a:r>
-              <a:rPr lang="en-GB" dirty="0" smtClean="0"/>
+              <a:rPr lang="en-GB" dirty="0"/>
               <a:t>affected</a:t>
             </a:r>
-            <a:endParaRPr lang="en-GB" dirty="0"/>
           </a:p>
         </p:txBody>
       </p:sp>
@@ -22579,13 +22313,8 @@
             <a:pPr algn="ctr"/>
             <a:r>
               <a:rPr lang="en-GB" dirty="0"/>
-              <a:t>n</a:t>
-            </a:r>
-            <a:r>
-              <a:rPr lang="en-GB" dirty="0" smtClean="0"/>
-              <a:t>ot affected</a:t>
-            </a:r>
-            <a:endParaRPr lang="en-GB" dirty="0"/>
+              <a:t>not affected</a:t>
+            </a:r>
           </a:p>
         </p:txBody>
       </p:sp>
@@ -22637,10 +22366,9 @@
           <a:lstStyle/>
           <a:p>
             <a:r>
-              <a:rPr lang="en-GB" b="1" dirty="0" smtClean="0"/>
+              <a:rPr lang="en-GB" b="1" dirty="0"/>
               <a:t>Group</a:t>
             </a:r>
-            <a:endParaRPr lang="en-GB" b="1" dirty="0"/>
           </a:p>
         </p:txBody>
       </p:sp>
@@ -23278,10 +23006,9 @@
           <a:lstStyle/>
           <a:p>
             <a:r>
-              <a:rPr lang="en-GB" dirty="0" smtClean="0"/>
+              <a:rPr lang="en-GB" dirty="0"/>
               <a:t>Interaction</a:t>
             </a:r>
-            <a:endParaRPr lang="en-GB" dirty="0"/>
           </a:p>
         </p:txBody>
       </p:sp>
@@ -23311,13 +23038,13 @@
               <a:buNone/>
             </a:pPr>
             <a:r>
-              <a:rPr lang="en-GB" dirty="0" smtClean="0"/>
+              <a:rPr lang="en-GB" dirty="0"/>
               <a:t>The slopes of the simple regression lines appear different in each group:</a:t>
             </a:r>
           </a:p>
           <a:p>
             <a:r>
-              <a:rPr lang="en-GB" b="1" dirty="0" smtClean="0">
+              <a:rPr lang="en-GB" b="1" dirty="0">
                 <a:solidFill>
                   <a:srgbClr val="002060"/>
                 </a:solidFill>
@@ -23325,11 +23052,11 @@
               <a:t>Affected group</a:t>
             </a:r>
             <a:r>
-              <a:rPr lang="en-GB" dirty="0" smtClean="0"/>
+              <a:rPr lang="en-GB" dirty="0"/>
               <a:t>: The association between </a:t>
             </a:r>
             <a:r>
-              <a:rPr lang="en-GB" dirty="0" smtClean="0">
+              <a:rPr lang="en-GB" dirty="0">
                 <a:solidFill>
                   <a:schemeClr val="tx2"/>
                 </a:solidFill>
@@ -23337,11 +23064,11 @@
               <a:t>trustworthiness</a:t>
             </a:r>
             <a:r>
-              <a:rPr lang="en-GB" dirty="0" smtClean="0"/>
+              <a:rPr lang="en-GB" dirty="0"/>
               <a:t> and </a:t>
             </a:r>
             <a:r>
-              <a:rPr lang="en-GB" dirty="0" smtClean="0">
+              <a:rPr lang="en-GB" dirty="0">
                 <a:solidFill>
                   <a:schemeClr val="tx2"/>
                 </a:solidFill>
@@ -23349,13 +23076,13 @@
               <a:t>attitude</a:t>
             </a:r>
             <a:r>
-              <a:rPr lang="en-GB" dirty="0" smtClean="0"/>
+              <a:rPr lang="en-GB" dirty="0"/>
               <a:t> appears positive (i.e., a positive regression slope)</a:t>
             </a:r>
           </a:p>
           <a:p>
             <a:r>
-              <a:rPr lang="en-GB" b="1" dirty="0" smtClean="0">
+              <a:rPr lang="en-GB" b="1" dirty="0">
                 <a:solidFill>
                   <a:srgbClr val="002060"/>
                 </a:solidFill>
@@ -23363,11 +23090,11 @@
               <a:t>Not affected group</a:t>
             </a:r>
             <a:r>
-              <a:rPr lang="en-GB" dirty="0" smtClean="0"/>
+              <a:rPr lang="en-GB" dirty="0"/>
               <a:t>: The association between </a:t>
             </a:r>
             <a:r>
-              <a:rPr lang="en-GB" dirty="0" smtClean="0">
+              <a:rPr lang="en-GB" dirty="0">
                 <a:solidFill>
                   <a:schemeClr val="tx2"/>
                 </a:solidFill>
@@ -23375,11 +23102,11 @@
               <a:t>trustworthiness</a:t>
             </a:r>
             <a:r>
-              <a:rPr lang="en-GB" dirty="0" smtClean="0"/>
+              <a:rPr lang="en-GB" dirty="0"/>
               <a:t> and </a:t>
             </a:r>
             <a:r>
-              <a:rPr lang="en-GB" dirty="0" smtClean="0">
+              <a:rPr lang="en-GB" dirty="0">
                 <a:solidFill>
                   <a:schemeClr val="tx2"/>
                 </a:solidFill>
@@ -23387,7 +23114,7 @@
               <a:t>attitude</a:t>
             </a:r>
             <a:r>
-              <a:rPr lang="en-GB" dirty="0" smtClean="0"/>
+              <a:rPr lang="en-GB" dirty="0"/>
               <a:t> appears negative. (i.e., a negative regression slope)</a:t>
             </a:r>
           </a:p>
@@ -23395,18 +23122,18 @@
             <a:pPr marL="0" indent="0">
               <a:buNone/>
             </a:pPr>
-            <a:endParaRPr lang="en-GB" dirty="0" smtClean="0"/>
+            <a:endParaRPr lang="en-GB" dirty="0"/>
           </a:p>
           <a:p>
             <a:pPr marL="0" indent="0">
               <a:buNone/>
             </a:pPr>
             <a:r>
-              <a:rPr lang="en-GB" dirty="0" smtClean="0"/>
+              <a:rPr lang="en-GB" dirty="0"/>
               <a:t>If there were </a:t>
             </a:r>
             <a:r>
-              <a:rPr lang="en-GB" b="1" dirty="0" smtClean="0">
+              <a:rPr lang="en-GB" b="1" dirty="0">
                 <a:solidFill>
                   <a:schemeClr val="tx2">
                     <a:lumMod val="50000"/>
@@ -23416,15 +23143,15 @@
               <a:t>no interaction </a:t>
             </a:r>
             <a:r>
-              <a:rPr lang="en-GB" dirty="0" smtClean="0"/>
+              <a:rPr lang="en-GB" dirty="0"/>
               <a:t>between predictors, then the relationship between trustworthiness and attitude would be </a:t>
             </a:r>
             <a:r>
-              <a:rPr lang="en-GB" i="1" dirty="0" smtClean="0"/>
+              <a:rPr lang="en-GB" i="1" dirty="0"/>
               <a:t>the same </a:t>
             </a:r>
             <a:r>
-              <a:rPr lang="en-GB" dirty="0" smtClean="0"/>
+              <a:rPr lang="en-GB" dirty="0"/>
               <a:t>in each group, and the lines for each group would be parallel.</a:t>
             </a:r>
           </a:p>
@@ -23491,13 +23218,8 @@
             </a:r>
             <a:r>
               <a:rPr lang="en-GB" sz="2400" dirty="0"/>
-              <a:t>is where the relationship between the outcome and </a:t>
-            </a:r>
-            <a:r>
-              <a:rPr lang="en-GB" sz="2400" dirty="0" smtClean="0"/>
-              <a:t>one predictor differs as a function of the other predictor.</a:t>
-            </a:r>
-            <a:endParaRPr lang="en-GB" sz="2400" dirty="0"/>
+              <a:t>is where the relationship between the outcome and one predictor differs as a function of the other predictor.</a:t>
+            </a:r>
           </a:p>
         </p:txBody>
       </p:sp>
@@ -23851,10 +23573,9 @@
           <a:lstStyle/>
           <a:p>
             <a:r>
-              <a:rPr lang="en-GB" dirty="0" smtClean="0"/>
+              <a:rPr lang="en-GB" dirty="0"/>
               <a:t>When might there be an interaction? Visual inspection</a:t>
             </a:r>
-            <a:endParaRPr lang="en-GB" dirty="0"/>
           </a:p>
         </p:txBody>
       </p:sp>
@@ -24117,10 +23838,9 @@
           <a:lstStyle/>
           <a:p>
             <a:r>
-              <a:rPr lang="en-GB" dirty="0" smtClean="0"/>
+              <a:rPr lang="en-GB" dirty="0"/>
               <a:t>Group 1</a:t>
             </a:r>
-            <a:endParaRPr lang="en-GB" dirty="0"/>
           </a:p>
         </p:txBody>
       </p:sp>
@@ -24147,10 +23867,9 @@
           <a:lstStyle/>
           <a:p>
             <a:r>
-              <a:rPr lang="en-GB" dirty="0" smtClean="0"/>
+              <a:rPr lang="en-GB" dirty="0"/>
               <a:t>Group 2</a:t>
             </a:r>
-            <a:endParaRPr lang="en-GB" dirty="0"/>
           </a:p>
         </p:txBody>
       </p:sp>
@@ -24745,7 +24464,7 @@
           <a:lstStyle/>
           <a:p>
             <a:r>
-              <a:rPr lang="en-GB" sz="1600" dirty="0" smtClean="0">
+              <a:rPr lang="en-GB" sz="1600" dirty="0">
                 <a:solidFill>
                   <a:schemeClr val="accent2">
                     <a:lumMod val="50000"/>
@@ -24757,18 +24476,13 @@
           </a:p>
           <a:p>
             <a:r>
-              <a:rPr lang="en-GB" sz="1600" dirty="0" smtClean="0">
+              <a:rPr lang="en-GB" sz="1600" dirty="0">
                 <a:solidFill>
                   <a:schemeClr val="tx2"/>
                 </a:solidFill>
               </a:rPr>
               <a:t>Group 2 negative</a:t>
             </a:r>
-            <a:endParaRPr lang="en-GB" sz="1600" dirty="0">
-              <a:solidFill>
-                <a:schemeClr val="tx2"/>
-              </a:solidFill>
-            </a:endParaRPr>
           </a:p>
         </p:txBody>
       </p:sp>
@@ -24847,7 +24561,7 @@
           <a:lstStyle/>
           <a:p>
             <a:r>
-              <a:rPr lang="en-GB" sz="1600" dirty="0" smtClean="0">
+              <a:rPr lang="en-GB" sz="1600" dirty="0">
                 <a:solidFill>
                   <a:schemeClr val="accent2">
                     <a:lumMod val="50000"/>
@@ -24859,34 +24573,13 @@
           </a:p>
           <a:p>
             <a:r>
-              <a:rPr lang="en-GB" sz="1600" dirty="0" smtClean="0">
-                <a:solidFill>
-                  <a:schemeClr val="tx2"/>
-                </a:solidFill>
-              </a:rPr>
-              <a:t>Group 2 </a:t>
-            </a:r>
-            <a:r>
               <a:rPr lang="en-GB" sz="1600" dirty="0">
                 <a:solidFill>
                   <a:schemeClr val="tx2"/>
                 </a:solidFill>
               </a:rPr>
-              <a:t>stronger</a:t>
-            </a:r>
-            <a:r>
-              <a:rPr lang="en-GB" sz="1600" dirty="0" smtClean="0">
-                <a:solidFill>
-                  <a:schemeClr val="tx2"/>
-                </a:solidFill>
-              </a:rPr>
-              <a:t> negative</a:t>
-            </a:r>
-            <a:endParaRPr lang="en-GB" sz="1600" dirty="0">
-              <a:solidFill>
-                <a:schemeClr val="tx2"/>
-              </a:solidFill>
-            </a:endParaRPr>
+              <a:t>Group 2 stronger negative</a:t>
+            </a:r>
           </a:p>
         </p:txBody>
       </p:sp>
@@ -24913,7 +24606,7 @@
           <a:lstStyle/>
           <a:p>
             <a:r>
-              <a:rPr lang="en-GB" sz="1600" dirty="0" smtClean="0">
+              <a:rPr lang="en-GB" sz="1600" dirty="0">
                 <a:solidFill>
                   <a:schemeClr val="accent2">
                     <a:lumMod val="50000"/>
@@ -24925,18 +24618,13 @@
           </a:p>
           <a:p>
             <a:r>
-              <a:rPr lang="en-GB" sz="1600" dirty="0" smtClean="0">
+              <a:rPr lang="en-GB" sz="1600" dirty="0">
                 <a:solidFill>
                   <a:schemeClr val="tx2"/>
                 </a:solidFill>
               </a:rPr>
               <a:t>Group 2 positive</a:t>
             </a:r>
-            <a:endParaRPr lang="en-GB" sz="1600" dirty="0">
-              <a:solidFill>
-                <a:schemeClr val="tx2"/>
-              </a:solidFill>
-            </a:endParaRPr>
           </a:p>
         </p:txBody>
       </p:sp>
@@ -24963,7 +24651,7 @@
           <a:lstStyle/>
           <a:p>
             <a:r>
-              <a:rPr lang="en-GB" sz="1600" dirty="0" smtClean="0">
+              <a:rPr lang="en-GB" sz="1600" dirty="0">
                 <a:solidFill>
                   <a:schemeClr val="accent2">
                     <a:lumMod val="50000"/>
@@ -24975,18 +24663,13 @@
           </a:p>
           <a:p>
             <a:r>
-              <a:rPr lang="en-GB" sz="1600" dirty="0" smtClean="0">
+              <a:rPr lang="en-GB" sz="1600" dirty="0">
                 <a:solidFill>
                   <a:schemeClr val="tx2"/>
                 </a:solidFill>
               </a:rPr>
               <a:t>Group 2 negative</a:t>
             </a:r>
-            <a:endParaRPr lang="en-GB" sz="1600" dirty="0">
-              <a:solidFill>
-                <a:schemeClr val="tx2"/>
-              </a:solidFill>
-            </a:endParaRPr>
           </a:p>
         </p:txBody>
       </p:sp>
@@ -25013,7 +24696,7 @@
           <a:lstStyle/>
           <a:p>
             <a:r>
-              <a:rPr lang="en-GB" b="1" dirty="0" smtClean="0">
+              <a:rPr lang="en-GB" b="1" dirty="0">
                 <a:solidFill>
                   <a:srgbClr val="00B050"/>
                 </a:solidFill>
@@ -25052,7 +24735,7 @@
           <a:lstStyle/>
           <a:p>
             <a:r>
-              <a:rPr lang="en-GB" b="1" dirty="0" smtClean="0">
+              <a:rPr lang="en-GB" b="1" dirty="0">
                 <a:solidFill>
                   <a:srgbClr val="00B050"/>
                 </a:solidFill>
@@ -25091,7 +24774,7 @@
           <a:lstStyle/>
           <a:p>
             <a:r>
-              <a:rPr lang="en-GB" b="1" dirty="0" smtClean="0">
+              <a:rPr lang="en-GB" b="1" dirty="0">
                 <a:solidFill>
                   <a:srgbClr val="00B050"/>
                 </a:solidFill>
@@ -25149,29 +24832,7 @@
                 </a:solidFill>
                 <a:sym typeface="Wingdings" panose="05000000000000000000" pitchFamily="2" charset="2"/>
               </a:rPr>
-              <a:t>  </a:t>
-            </a:r>
-            <a:r>
-              <a:rPr lang="en-GB" sz="1600" b="1" dirty="0" smtClean="0">
-                <a:solidFill>
-                  <a:schemeClr val="accent4">
-                    <a:lumMod val="50000"/>
-                  </a:schemeClr>
-                </a:solidFill>
-                <a:sym typeface="Wingdings" panose="05000000000000000000" pitchFamily="2" charset="2"/>
-              </a:rPr>
-              <a:t>No </a:t>
-            </a:r>
-            <a:r>
-              <a:rPr lang="en-GB" sz="1600" b="1" dirty="0">
-                <a:solidFill>
-                  <a:schemeClr val="accent4">
-                    <a:lumMod val="50000"/>
-                  </a:schemeClr>
-                </a:solidFill>
-                <a:sym typeface="Wingdings" panose="05000000000000000000" pitchFamily="2" charset="2"/>
-              </a:rPr>
-              <a:t>interaction</a:t>
+              <a:t>  No interaction</a:t>
             </a:r>
             <a:endParaRPr lang="en-GB" sz="1600" b="1" dirty="0">
               <a:solidFill>
@@ -25225,29 +24886,7 @@
                 </a:solidFill>
                 <a:sym typeface="Wingdings" panose="05000000000000000000" pitchFamily="2" charset="2"/>
               </a:rPr>
-              <a:t>  </a:t>
-            </a:r>
-            <a:r>
-              <a:rPr lang="en-GB" sz="1600" b="1" dirty="0" smtClean="0">
-                <a:solidFill>
-                  <a:schemeClr val="accent4">
-                    <a:lumMod val="50000"/>
-                  </a:schemeClr>
-                </a:solidFill>
-                <a:sym typeface="Wingdings" panose="05000000000000000000" pitchFamily="2" charset="2"/>
-              </a:rPr>
-              <a:t>No </a:t>
-            </a:r>
-            <a:r>
-              <a:rPr lang="en-GB" sz="1600" b="1" dirty="0">
-                <a:solidFill>
-                  <a:schemeClr val="accent4">
-                    <a:lumMod val="50000"/>
-                  </a:schemeClr>
-                </a:solidFill>
-                <a:sym typeface="Wingdings" panose="05000000000000000000" pitchFamily="2" charset="2"/>
-              </a:rPr>
-              <a:t>interaction</a:t>
+              <a:t>  No interaction</a:t>
             </a:r>
             <a:endParaRPr lang="en-GB" sz="1600" b="1" dirty="0">
               <a:solidFill>
@@ -25284,10 +24923,9 @@
           <a:lstStyle/>
           <a:p>
             <a:r>
-              <a:rPr lang="en-GB" dirty="0" smtClean="0"/>
+              <a:rPr lang="en-GB" dirty="0"/>
               <a:t>Lines not parallel</a:t>
             </a:r>
-            <a:endParaRPr lang="en-GB" dirty="0"/>
           </a:p>
         </p:txBody>
       </p:sp>
@@ -25316,10 +24954,9 @@
           <a:lstStyle/>
           <a:p>
             <a:r>
-              <a:rPr lang="en-GB" dirty="0" smtClean="0"/>
+              <a:rPr lang="en-GB" dirty="0"/>
               <a:t>Lines parallel</a:t>
             </a:r>
-            <a:endParaRPr lang="en-GB" dirty="0"/>
           </a:p>
         </p:txBody>
       </p:sp>
